--- a/input/images-source/MedFormulary.pptx
+++ b/input/images-source/MedFormulary.pptx
@@ -197,7 +197,7 @@
           <a:p>
             <a:fld id="{C0FC2EA5-DDD9-41B5-A743-573E81829967}" type="datetimeFigureOut">
               <a:rPr lang="fr-FR" smtClean="0"/>
-              <a:t>28/01/2020</a:t>
+              <a:t>29/01/2020</a:t>
             </a:fld>
             <a:endParaRPr lang="fr-FR"/>
           </a:p>
@@ -695,7 +695,7 @@
           <a:p>
             <a:fld id="{DEBA1CB3-45B4-4365-8A01-D60AF6EBF46C}" type="datetimeFigureOut">
               <a:rPr lang="fr-FR" smtClean="0"/>
-              <a:t>28/01/2020</a:t>
+              <a:t>29/01/2020</a:t>
             </a:fld>
             <a:endParaRPr lang="fr-FR"/>
           </a:p>
@@ -893,7 +893,7 @@
           <a:p>
             <a:fld id="{DEBA1CB3-45B4-4365-8A01-D60AF6EBF46C}" type="datetimeFigureOut">
               <a:rPr lang="fr-FR" smtClean="0"/>
-              <a:t>28/01/2020</a:t>
+              <a:t>29/01/2020</a:t>
             </a:fld>
             <a:endParaRPr lang="fr-FR"/>
           </a:p>
@@ -1101,7 +1101,7 @@
           <a:p>
             <a:fld id="{DEBA1CB3-45B4-4365-8A01-D60AF6EBF46C}" type="datetimeFigureOut">
               <a:rPr lang="fr-FR" smtClean="0"/>
-              <a:t>28/01/2020</a:t>
+              <a:t>29/01/2020</a:t>
             </a:fld>
             <a:endParaRPr lang="fr-FR"/>
           </a:p>
@@ -1299,7 +1299,7 @@
           <a:p>
             <a:fld id="{DEBA1CB3-45B4-4365-8A01-D60AF6EBF46C}" type="datetimeFigureOut">
               <a:rPr lang="fr-FR" smtClean="0"/>
-              <a:t>28/01/2020</a:t>
+              <a:t>29/01/2020</a:t>
             </a:fld>
             <a:endParaRPr lang="fr-FR"/>
           </a:p>
@@ -1574,7 +1574,7 @@
           <a:p>
             <a:fld id="{DEBA1CB3-45B4-4365-8A01-D60AF6EBF46C}" type="datetimeFigureOut">
               <a:rPr lang="fr-FR" smtClean="0"/>
-              <a:t>28/01/2020</a:t>
+              <a:t>29/01/2020</a:t>
             </a:fld>
             <a:endParaRPr lang="fr-FR"/>
           </a:p>
@@ -1839,7 +1839,7 @@
           <a:p>
             <a:fld id="{DEBA1CB3-45B4-4365-8A01-D60AF6EBF46C}" type="datetimeFigureOut">
               <a:rPr lang="fr-FR" smtClean="0"/>
-              <a:t>28/01/2020</a:t>
+              <a:t>29/01/2020</a:t>
             </a:fld>
             <a:endParaRPr lang="fr-FR"/>
           </a:p>
@@ -2251,7 +2251,7 @@
           <a:p>
             <a:fld id="{DEBA1CB3-45B4-4365-8A01-D60AF6EBF46C}" type="datetimeFigureOut">
               <a:rPr lang="fr-FR" smtClean="0"/>
-              <a:t>28/01/2020</a:t>
+              <a:t>29/01/2020</a:t>
             </a:fld>
             <a:endParaRPr lang="fr-FR"/>
           </a:p>
@@ -2392,7 +2392,7 @@
           <a:p>
             <a:fld id="{DEBA1CB3-45B4-4365-8A01-D60AF6EBF46C}" type="datetimeFigureOut">
               <a:rPr lang="fr-FR" smtClean="0"/>
-              <a:t>28/01/2020</a:t>
+              <a:t>29/01/2020</a:t>
             </a:fld>
             <a:endParaRPr lang="fr-FR"/>
           </a:p>
@@ -2505,7 +2505,7 @@
           <a:p>
             <a:fld id="{DEBA1CB3-45B4-4365-8A01-D60AF6EBF46C}" type="datetimeFigureOut">
               <a:rPr lang="fr-FR" smtClean="0"/>
-              <a:t>28/01/2020</a:t>
+              <a:t>29/01/2020</a:t>
             </a:fld>
             <a:endParaRPr lang="fr-FR"/>
           </a:p>
@@ -2816,7 +2816,7 @@
           <a:p>
             <a:fld id="{DEBA1CB3-45B4-4365-8A01-D60AF6EBF46C}" type="datetimeFigureOut">
               <a:rPr lang="fr-FR" smtClean="0"/>
-              <a:t>28/01/2020</a:t>
+              <a:t>29/01/2020</a:t>
             </a:fld>
             <a:endParaRPr lang="fr-FR"/>
           </a:p>
@@ -3104,7 +3104,7 @@
           <a:p>
             <a:fld id="{DEBA1CB3-45B4-4365-8A01-D60AF6EBF46C}" type="datetimeFigureOut">
               <a:rPr lang="fr-FR" smtClean="0"/>
-              <a:t>28/01/2020</a:t>
+              <a:t>29/01/2020</a:t>
             </a:fld>
             <a:endParaRPr lang="fr-FR"/>
           </a:p>
@@ -3345,7 +3345,7 @@
           <a:p>
             <a:fld id="{DEBA1CB3-45B4-4365-8A01-D60AF6EBF46C}" type="datetimeFigureOut">
               <a:rPr lang="fr-FR" smtClean="0"/>
-              <a:t>28/01/2020</a:t>
+              <a:t>29/01/2020</a:t>
             </a:fld>
             <a:endParaRPr lang="fr-FR"/>
           </a:p>
@@ -3776,7 +3776,7 @@
         </p:nvSpPr>
         <p:spPr>
           <a:xfrm>
-            <a:off x="952849" y="1415666"/>
+            <a:off x="952849" y="2199438"/>
             <a:ext cx="607145" cy="369332"/>
           </a:xfrm>
           <a:prstGeom prst="rect">
@@ -3815,7 +3815,7 @@
         </p:nvCxnSpPr>
         <p:spPr>
           <a:xfrm rot="16200000" flipV="1">
-            <a:off x="2318963" y="465433"/>
+            <a:off x="2318963" y="1249205"/>
             <a:ext cx="953560" cy="2699199"/>
           </a:xfrm>
           <a:prstGeom prst="bentConnector3">
@@ -3857,7 +3857,7 @@
         </p:nvSpPr>
         <p:spPr>
           <a:xfrm>
-            <a:off x="373224" y="201111"/>
+            <a:off x="373224" y="984883"/>
             <a:ext cx="2145838" cy="1137142"/>
           </a:xfrm>
           <a:prstGeom prst="rect">
@@ -3957,7 +3957,7 @@
         </p:nvSpPr>
         <p:spPr>
           <a:xfrm>
-            <a:off x="2369627" y="1886424"/>
+            <a:off x="2369627" y="2670196"/>
             <a:ext cx="1876007" cy="369332"/>
           </a:xfrm>
           <a:prstGeom prst="rect">
@@ -3996,7 +3996,7 @@
         </p:nvCxnSpPr>
         <p:spPr>
           <a:xfrm rot="10800000" flipV="1">
-            <a:off x="1106159" y="3245374"/>
+            <a:off x="1106159" y="4029146"/>
             <a:ext cx="1951373" cy="924147"/>
           </a:xfrm>
           <a:prstGeom prst="bentConnector2">
@@ -4036,7 +4036,7 @@
         </p:nvSpPr>
         <p:spPr>
           <a:xfrm>
-            <a:off x="185391" y="4169522"/>
+            <a:off x="185391" y="4953294"/>
             <a:ext cx="1841533" cy="561098"/>
           </a:xfrm>
           <a:prstGeom prst="rect">
@@ -4124,7 +4124,7 @@
         </p:nvSpPr>
         <p:spPr>
           <a:xfrm>
-            <a:off x="1140384" y="3754824"/>
+            <a:off x="1140384" y="4538596"/>
             <a:ext cx="578339" cy="369332"/>
           </a:xfrm>
           <a:prstGeom prst="rect">
@@ -4159,7 +4159,7 @@
         </p:nvSpPr>
         <p:spPr>
           <a:xfrm>
-            <a:off x="3497827" y="352501"/>
+            <a:off x="3497827" y="1136273"/>
             <a:ext cx="1837542" cy="646331"/>
           </a:xfrm>
           <a:prstGeom prst="rect">
@@ -4202,7 +4202,7 @@
         </p:nvSpPr>
         <p:spPr>
           <a:xfrm>
-            <a:off x="1" y="2488807"/>
+            <a:off x="1" y="3272579"/>
             <a:ext cx="3028318" cy="369332"/>
           </a:xfrm>
           <a:prstGeom prst="rect">
@@ -4251,7 +4251,7 @@
         </p:nvSpPr>
         <p:spPr>
           <a:xfrm>
-            <a:off x="90771" y="4834574"/>
+            <a:off x="90771" y="5618346"/>
             <a:ext cx="2145838" cy="646331"/>
           </a:xfrm>
           <a:prstGeom prst="rect">
@@ -4300,7 +4300,7 @@
         </p:nvSpPr>
         <p:spPr>
           <a:xfrm>
-            <a:off x="3974842" y="2291813"/>
+            <a:off x="3974842" y="3075585"/>
             <a:ext cx="340999" cy="196994"/>
           </a:xfrm>
           <a:prstGeom prst="rect">
@@ -4346,7 +4346,7 @@
         </p:nvSpPr>
         <p:spPr>
           <a:xfrm>
-            <a:off x="4526808" y="2291813"/>
+            <a:off x="4526808" y="3075585"/>
             <a:ext cx="340999" cy="196994"/>
           </a:xfrm>
           <a:prstGeom prst="rect">
@@ -4396,7 +4396,7 @@
         </p:nvCxnSpPr>
         <p:spPr>
           <a:xfrm rot="5400000">
-            <a:off x="5590742" y="444818"/>
+            <a:off x="5590742" y="1228590"/>
             <a:ext cx="953561" cy="2740428"/>
           </a:xfrm>
           <a:prstGeom prst="bentConnector3">
@@ -4438,7 +4438,7 @@
         </p:nvSpPr>
         <p:spPr>
           <a:xfrm>
-            <a:off x="6364817" y="201110"/>
+            <a:off x="6364817" y="984882"/>
             <a:ext cx="2145838" cy="1137142"/>
           </a:xfrm>
           <a:prstGeom prst="rect">
@@ -4538,7 +4538,7 @@
         </p:nvSpPr>
         <p:spPr>
           <a:xfrm>
-            <a:off x="4185192" y="1642523"/>
+            <a:off x="4185192" y="2426295"/>
             <a:ext cx="461986" cy="369332"/>
           </a:xfrm>
           <a:prstGeom prst="rect">
@@ -4580,7 +4580,7 @@
         </p:nvSpPr>
         <p:spPr>
           <a:xfrm>
-            <a:off x="5445217" y="2336929"/>
+            <a:off x="5445217" y="3120701"/>
             <a:ext cx="340999" cy="324520"/>
           </a:xfrm>
           <a:prstGeom prst="rect">
@@ -4626,7 +4626,7 @@
         </p:nvSpPr>
         <p:spPr>
           <a:xfrm>
-            <a:off x="5455731" y="3089128"/>
+            <a:off x="5455731" y="3872900"/>
             <a:ext cx="340999" cy="324520"/>
           </a:xfrm>
           <a:prstGeom prst="rect">
@@ -4676,7 +4676,7 @@
         </p:nvCxnSpPr>
         <p:spPr>
           <a:xfrm rot="16200000" flipH="1">
-            <a:off x="5619836" y="2332810"/>
+            <a:off x="5619836" y="3116582"/>
             <a:ext cx="162260" cy="170499"/>
           </a:xfrm>
           <a:prstGeom prst="bentConnector4">
@@ -4719,7 +4719,7 @@
         </p:nvSpPr>
         <p:spPr>
           <a:xfrm>
-            <a:off x="5975377" y="2020978"/>
+            <a:off x="5975377" y="2804750"/>
             <a:ext cx="4195529" cy="369332"/>
           </a:xfrm>
           <a:prstGeom prst="rect">
@@ -4754,7 +4754,7 @@
         </p:nvSpPr>
         <p:spPr>
           <a:xfrm>
-            <a:off x="467212" y="2903505"/>
+            <a:off x="467212" y="3687277"/>
             <a:ext cx="2625028" cy="369332"/>
           </a:xfrm>
           <a:prstGeom prst="rect">
@@ -4789,7 +4789,7 @@
         </p:nvSpPr>
         <p:spPr>
           <a:xfrm>
-            <a:off x="3057531" y="3083115"/>
+            <a:off x="3057531" y="3866887"/>
             <a:ext cx="539154" cy="324520"/>
           </a:xfrm>
           <a:prstGeom prst="rect">
@@ -4835,7 +4835,7 @@
         </p:nvSpPr>
         <p:spPr>
           <a:xfrm>
-            <a:off x="7471617" y="1310283"/>
+            <a:off x="7471617" y="2094055"/>
             <a:ext cx="1476440" cy="369332"/>
           </a:xfrm>
           <a:prstGeom prst="rect">
@@ -4870,7 +4870,7 @@
         </p:nvSpPr>
         <p:spPr>
           <a:xfrm>
-            <a:off x="4697307" y="1827189"/>
+            <a:off x="4697307" y="2610961"/>
             <a:ext cx="607145" cy="369332"/>
           </a:xfrm>
           <a:prstGeom prst="rect">
@@ -4905,7 +4905,7 @@
         </p:nvSpPr>
         <p:spPr>
           <a:xfrm>
-            <a:off x="6093951" y="2293972"/>
+            <a:off x="6093951" y="3077744"/>
             <a:ext cx="607145" cy="369332"/>
           </a:xfrm>
           <a:prstGeom prst="rect">
@@ -4940,7 +4940,7 @@
         </p:nvSpPr>
         <p:spPr>
           <a:xfrm>
-            <a:off x="9770178" y="3646639"/>
+            <a:off x="9770178" y="4430411"/>
             <a:ext cx="2233710" cy="695103"/>
           </a:xfrm>
           <a:prstGeom prst="rect">
@@ -5032,7 +5032,7 @@
         </p:nvCxnSpPr>
         <p:spPr>
           <a:xfrm>
-            <a:off x="5796730" y="3251388"/>
+            <a:off x="5796730" y="4035160"/>
             <a:ext cx="5090303" cy="395251"/>
           </a:xfrm>
           <a:prstGeom prst="bentConnector2">
@@ -5072,7 +5072,7 @@
         </p:nvSpPr>
         <p:spPr>
           <a:xfrm>
-            <a:off x="10938862" y="3224186"/>
+            <a:off x="10938862" y="4007958"/>
             <a:ext cx="578339" cy="369332"/>
           </a:xfrm>
           <a:prstGeom prst="rect">
@@ -5107,7 +5107,7 @@
         </p:nvSpPr>
         <p:spPr>
           <a:xfrm>
-            <a:off x="5783427" y="2864028"/>
+            <a:off x="5783427" y="3647800"/>
             <a:ext cx="4591483" cy="369332"/>
           </a:xfrm>
           <a:prstGeom prst="rect">
@@ -5142,8 +5142,8 @@
         </p:nvSpPr>
         <p:spPr>
           <a:xfrm>
-            <a:off x="9367935" y="5103844"/>
-            <a:ext cx="2635953" cy="942890"/>
+            <a:off x="9367935" y="5538238"/>
+            <a:ext cx="2635953" cy="695103"/>
           </a:xfrm>
           <a:prstGeom prst="rect">
             <a:avLst/>
@@ -5234,8 +5234,8 @@
         </p:nvCxnSpPr>
         <p:spPr>
           <a:xfrm rot="16200000" flipH="1">
-            <a:off x="6416263" y="2623616"/>
-            <a:ext cx="2161641" cy="3741704"/>
+            <a:off x="6652898" y="3170753"/>
+            <a:ext cx="1688370" cy="3741704"/>
           </a:xfrm>
           <a:prstGeom prst="bentConnector2">
             <a:avLst/>
@@ -5274,7 +5274,7 @@
         </p:nvSpPr>
         <p:spPr>
           <a:xfrm>
-            <a:off x="5626230" y="3468412"/>
+            <a:off x="5626230" y="4252184"/>
             <a:ext cx="2127663" cy="369332"/>
           </a:xfrm>
           <a:prstGeom prst="rect">
@@ -5309,7 +5309,7 @@
         </p:nvSpPr>
         <p:spPr>
           <a:xfrm>
-            <a:off x="8766192" y="5205957"/>
+            <a:off x="8766192" y="5392565"/>
             <a:ext cx="578339" cy="369332"/>
           </a:xfrm>
           <a:prstGeom prst="rect">
@@ -5344,7 +5344,7 @@
         </p:nvSpPr>
         <p:spPr>
           <a:xfrm>
-            <a:off x="3564292" y="5103843"/>
+            <a:off x="3564292" y="5663678"/>
             <a:ext cx="1693939" cy="734691"/>
           </a:xfrm>
           <a:prstGeom prst="rect">
@@ -5436,8 +5436,8 @@
         </p:nvCxnSpPr>
         <p:spPr>
           <a:xfrm rot="16200000" flipH="1">
-            <a:off x="2413923" y="4320820"/>
-            <a:ext cx="2063554" cy="237184"/>
+            <a:off x="2525892" y="4992623"/>
+            <a:ext cx="1839617" cy="237184"/>
           </a:xfrm>
           <a:prstGeom prst="bentConnector2">
             <a:avLst/>
@@ -5476,7 +5476,7 @@
         </p:nvSpPr>
         <p:spPr>
           <a:xfrm>
-            <a:off x="1934497" y="3413214"/>
+            <a:off x="1934497" y="4196986"/>
             <a:ext cx="1542761" cy="369332"/>
           </a:xfrm>
           <a:prstGeom prst="rect">
@@ -5511,7 +5511,7 @@
         </p:nvSpPr>
         <p:spPr>
           <a:xfrm>
-            <a:off x="2790850" y="5264908"/>
+            <a:off x="2790850" y="5824743"/>
             <a:ext cx="578339" cy="369332"/>
           </a:xfrm>
           <a:prstGeom prst="rect">
@@ -5550,12 +5550,12 @@
         </p:nvCxnSpPr>
         <p:spPr>
           <a:xfrm rot="16200000" flipH="1">
-            <a:off x="3371725" y="4064305"/>
-            <a:ext cx="1696045" cy="383029"/>
+            <a:off x="3483693" y="4736109"/>
+            <a:ext cx="1472108" cy="383029"/>
           </a:xfrm>
           <a:prstGeom prst="bentConnector3">
             <a:avLst>
-              <a:gd name="adj1" fmla="val 53301"/>
+              <a:gd name="adj1" fmla="val 62043"/>
             </a:avLst>
           </a:prstGeom>
           <a:ln w="28575">
@@ -5592,7 +5592,7 @@
         </p:nvSpPr>
         <p:spPr>
           <a:xfrm>
-            <a:off x="4446423" y="4656762"/>
+            <a:off x="4446423" y="5216597"/>
             <a:ext cx="578339" cy="369332"/>
           </a:xfrm>
           <a:prstGeom prst="rect">
@@ -5627,7 +5627,7 @@
         </p:nvSpPr>
         <p:spPr>
           <a:xfrm>
-            <a:off x="4015001" y="3418412"/>
+            <a:off x="4015001" y="4202184"/>
             <a:ext cx="1208988" cy="923330"/>
           </a:xfrm>
           <a:prstGeom prst="rect">
@@ -5668,7 +5668,7 @@
         </p:nvSpPr>
         <p:spPr>
           <a:xfrm>
-            <a:off x="3795176" y="3083278"/>
+            <a:off x="3795176" y="3867050"/>
             <a:ext cx="466113" cy="324520"/>
           </a:xfrm>
           <a:prstGeom prst="rect">
@@ -5714,7 +5714,7 @@
         </p:nvSpPr>
         <p:spPr>
           <a:xfrm>
-            <a:off x="3028318" y="2291813"/>
+            <a:off x="3028318" y="3075585"/>
             <a:ext cx="2776560" cy="1140542"/>
           </a:xfrm>
           <a:prstGeom prst="rect">

--- a/input/images-source/MedFormulary.pptx
+++ b/input/images-source/MedFormulary.pptx
@@ -197,7 +197,7 @@
           <a:p>
             <a:fld id="{C0FC2EA5-DDD9-41B5-A743-573E81829967}" type="datetimeFigureOut">
               <a:rPr lang="fr-FR" smtClean="0"/>
-              <a:t>29/01/2020</a:t>
+              <a:t>30/01/2020</a:t>
             </a:fld>
             <a:endParaRPr lang="fr-FR"/>
           </a:p>
@@ -695,7 +695,7 @@
           <a:p>
             <a:fld id="{DEBA1CB3-45B4-4365-8A01-D60AF6EBF46C}" type="datetimeFigureOut">
               <a:rPr lang="fr-FR" smtClean="0"/>
-              <a:t>29/01/2020</a:t>
+              <a:t>30/01/2020</a:t>
             </a:fld>
             <a:endParaRPr lang="fr-FR"/>
           </a:p>
@@ -893,7 +893,7 @@
           <a:p>
             <a:fld id="{DEBA1CB3-45B4-4365-8A01-D60AF6EBF46C}" type="datetimeFigureOut">
               <a:rPr lang="fr-FR" smtClean="0"/>
-              <a:t>29/01/2020</a:t>
+              <a:t>30/01/2020</a:t>
             </a:fld>
             <a:endParaRPr lang="fr-FR"/>
           </a:p>
@@ -1101,7 +1101,7 @@
           <a:p>
             <a:fld id="{DEBA1CB3-45B4-4365-8A01-D60AF6EBF46C}" type="datetimeFigureOut">
               <a:rPr lang="fr-FR" smtClean="0"/>
-              <a:t>29/01/2020</a:t>
+              <a:t>30/01/2020</a:t>
             </a:fld>
             <a:endParaRPr lang="fr-FR"/>
           </a:p>
@@ -1299,7 +1299,7 @@
           <a:p>
             <a:fld id="{DEBA1CB3-45B4-4365-8A01-D60AF6EBF46C}" type="datetimeFigureOut">
               <a:rPr lang="fr-FR" smtClean="0"/>
-              <a:t>29/01/2020</a:t>
+              <a:t>30/01/2020</a:t>
             </a:fld>
             <a:endParaRPr lang="fr-FR"/>
           </a:p>
@@ -1574,7 +1574,7 @@
           <a:p>
             <a:fld id="{DEBA1CB3-45B4-4365-8A01-D60AF6EBF46C}" type="datetimeFigureOut">
               <a:rPr lang="fr-FR" smtClean="0"/>
-              <a:t>29/01/2020</a:t>
+              <a:t>30/01/2020</a:t>
             </a:fld>
             <a:endParaRPr lang="fr-FR"/>
           </a:p>
@@ -1839,7 +1839,7 @@
           <a:p>
             <a:fld id="{DEBA1CB3-45B4-4365-8A01-D60AF6EBF46C}" type="datetimeFigureOut">
               <a:rPr lang="fr-FR" smtClean="0"/>
-              <a:t>29/01/2020</a:t>
+              <a:t>30/01/2020</a:t>
             </a:fld>
             <a:endParaRPr lang="fr-FR"/>
           </a:p>
@@ -2251,7 +2251,7 @@
           <a:p>
             <a:fld id="{DEBA1CB3-45B4-4365-8A01-D60AF6EBF46C}" type="datetimeFigureOut">
               <a:rPr lang="fr-FR" smtClean="0"/>
-              <a:t>29/01/2020</a:t>
+              <a:t>30/01/2020</a:t>
             </a:fld>
             <a:endParaRPr lang="fr-FR"/>
           </a:p>
@@ -2392,7 +2392,7 @@
           <a:p>
             <a:fld id="{DEBA1CB3-45B4-4365-8A01-D60AF6EBF46C}" type="datetimeFigureOut">
               <a:rPr lang="fr-FR" smtClean="0"/>
-              <a:t>29/01/2020</a:t>
+              <a:t>30/01/2020</a:t>
             </a:fld>
             <a:endParaRPr lang="fr-FR"/>
           </a:p>
@@ -2505,7 +2505,7 @@
           <a:p>
             <a:fld id="{DEBA1CB3-45B4-4365-8A01-D60AF6EBF46C}" type="datetimeFigureOut">
               <a:rPr lang="fr-FR" smtClean="0"/>
-              <a:t>29/01/2020</a:t>
+              <a:t>30/01/2020</a:t>
             </a:fld>
             <a:endParaRPr lang="fr-FR"/>
           </a:p>
@@ -2816,7 +2816,7 @@
           <a:p>
             <a:fld id="{DEBA1CB3-45B4-4365-8A01-D60AF6EBF46C}" type="datetimeFigureOut">
               <a:rPr lang="fr-FR" smtClean="0"/>
-              <a:t>29/01/2020</a:t>
+              <a:t>30/01/2020</a:t>
             </a:fld>
             <a:endParaRPr lang="fr-FR"/>
           </a:p>
@@ -3104,7 +3104,7 @@
           <a:p>
             <a:fld id="{DEBA1CB3-45B4-4365-8A01-D60AF6EBF46C}" type="datetimeFigureOut">
               <a:rPr lang="fr-FR" smtClean="0"/>
-              <a:t>29/01/2020</a:t>
+              <a:t>30/01/2020</a:t>
             </a:fld>
             <a:endParaRPr lang="fr-FR"/>
           </a:p>
@@ -3345,7 +3345,7 @@
           <a:p>
             <a:fld id="{DEBA1CB3-45B4-4365-8A01-D60AF6EBF46C}" type="datetimeFigureOut">
               <a:rPr lang="fr-FR" smtClean="0"/>
-              <a:t>29/01/2020</a:t>
+              <a:t>30/01/2020</a:t>
             </a:fld>
             <a:endParaRPr lang="fr-FR"/>
           </a:p>
@@ -3764,10 +3764,10 @@
       </p:grpSpPr>
       <p:sp>
         <p:nvSpPr>
-          <p:cNvPr id="9" name="ZoneTexte 8">
-            <a:extLst>
-              <a:ext uri="{FF2B5EF4-FFF2-40B4-BE49-F238E27FC236}">
-                <a16:creationId xmlns:a16="http://schemas.microsoft.com/office/drawing/2014/main" id="{A946E9D0-D148-4527-8D03-943EAE13355B}"/>
+          <p:cNvPr id="44" name="ZoneTexte 43">
+            <a:extLst>
+              <a:ext uri="{FF2B5EF4-FFF2-40B4-BE49-F238E27FC236}">
+                <a16:creationId xmlns:a16="http://schemas.microsoft.com/office/drawing/2014/main" id="{ED2CD241-18F7-4D9F-BB72-9F11D047D02B}"/>
               </a:ext>
             </a:extLst>
           </p:cNvPr>
@@ -3776,7 +3776,7 @@
         </p:nvSpPr>
         <p:spPr>
           <a:xfrm>
-            <a:off x="952849" y="2199438"/>
+            <a:off x="3733657" y="1573703"/>
             <a:ext cx="607145" cy="369332"/>
           </a:xfrm>
           <a:prstGeom prst="rect">
@@ -3799,29 +3799,27 @@
       </p:sp>
       <p:cxnSp>
         <p:nvCxnSpPr>
-          <p:cNvPr id="14" name="Connecteur : en angle 13">
-            <a:extLst>
-              <a:ext uri="{FF2B5EF4-FFF2-40B4-BE49-F238E27FC236}">
-                <a16:creationId xmlns:a16="http://schemas.microsoft.com/office/drawing/2014/main" id="{96E14973-247A-449B-98ED-0D425A7A48C1}"/>
+          <p:cNvPr id="47" name="Connecteur : en angle 46">
+            <a:extLst>
+              <a:ext uri="{FF2B5EF4-FFF2-40B4-BE49-F238E27FC236}">
+                <a16:creationId xmlns:a16="http://schemas.microsoft.com/office/drawing/2014/main" id="{9F684523-EF53-40EA-BE4F-7B5FAAE398B3}"/>
               </a:ext>
             </a:extLst>
           </p:cNvPr>
           <p:cNvCxnSpPr>
             <a:cxnSpLocks/>
-            <a:stCxn id="18" idx="0"/>
-            <a:endCxn id="20" idx="2"/>
+            <a:stCxn id="103" idx="0"/>
+            <a:endCxn id="48" idx="3"/>
           </p:cNvCxnSpPr>
           <p:nvPr/>
         </p:nvCxnSpPr>
         <p:spPr>
           <a:xfrm rot="16200000" flipV="1">
-            <a:off x="2318963" y="1249205"/>
-            <a:ext cx="953560" cy="2699199"/>
-          </a:xfrm>
-          <a:prstGeom prst="bentConnector3">
-            <a:avLst>
-              <a:gd name="adj1" fmla="val 50000"/>
-            </a:avLst>
+            <a:off x="3680773" y="1607028"/>
+            <a:ext cx="1301068" cy="1261834"/>
+          </a:xfrm>
+          <a:prstGeom prst="bentConnector2">
+            <a:avLst/>
           </a:prstGeom>
           <a:ln w="28575">
             <a:headEnd type="none" w="med" len="med"/>
@@ -3845,10 +3843,10 @@
       </p:cxnSp>
       <p:sp>
         <p:nvSpPr>
-          <p:cNvPr id="20" name="Rectangle 19">
-            <a:extLst>
-              <a:ext uri="{FF2B5EF4-FFF2-40B4-BE49-F238E27FC236}">
-                <a16:creationId xmlns:a16="http://schemas.microsoft.com/office/drawing/2014/main" id="{0EF34064-8B6F-4B06-B950-EFD89EB71C6D}"/>
+          <p:cNvPr id="48" name="Rectangle 47">
+            <a:extLst>
+              <a:ext uri="{FF2B5EF4-FFF2-40B4-BE49-F238E27FC236}">
+                <a16:creationId xmlns:a16="http://schemas.microsoft.com/office/drawing/2014/main" id="{28053EE9-1E6C-4A87-9190-F425953D2B44}"/>
               </a:ext>
             </a:extLst>
           </p:cNvPr>
@@ -3857,7 +3855,7 @@
         </p:nvSpPr>
         <p:spPr>
           <a:xfrm>
-            <a:off x="373224" y="984883"/>
+            <a:off x="1554552" y="1018840"/>
             <a:ext cx="2145838" cy="1137142"/>
           </a:xfrm>
           <a:prstGeom prst="rect">
@@ -3945,10 +3943,10 @@
       </p:sp>
       <p:sp>
         <p:nvSpPr>
-          <p:cNvPr id="3" name="ZoneTexte 2">
-            <a:extLst>
-              <a:ext uri="{FF2B5EF4-FFF2-40B4-BE49-F238E27FC236}">
-                <a16:creationId xmlns:a16="http://schemas.microsoft.com/office/drawing/2014/main" id="{50DBA933-9565-444C-B7B3-F193880AE287}"/>
+          <p:cNvPr id="49" name="ZoneTexte 48">
+            <a:extLst>
+              <a:ext uri="{FF2B5EF4-FFF2-40B4-BE49-F238E27FC236}">
+                <a16:creationId xmlns:a16="http://schemas.microsoft.com/office/drawing/2014/main" id="{1313F2F5-4117-4066-97BD-71DBA304BFC0}"/>
               </a:ext>
             </a:extLst>
           </p:cNvPr>
@@ -3957,7 +3955,7 @@
         </p:nvSpPr>
         <p:spPr>
           <a:xfrm>
-            <a:off x="2369627" y="2670196"/>
+            <a:off x="2915253" y="2483090"/>
             <a:ext cx="1876007" cy="369332"/>
           </a:xfrm>
           <a:prstGeom prst="rect">
@@ -3980,23 +3978,23 @@
       </p:sp>
       <p:cxnSp>
         <p:nvCxnSpPr>
-          <p:cNvPr id="43" name="Connecteur : en angle 42">
-            <a:extLst>
-              <a:ext uri="{FF2B5EF4-FFF2-40B4-BE49-F238E27FC236}">
-                <a16:creationId xmlns:a16="http://schemas.microsoft.com/office/drawing/2014/main" id="{C9A4C617-23DA-4B5A-A95B-EFA518F82E4B}"/>
+          <p:cNvPr id="50" name="Connecteur : en angle 49">
+            <a:extLst>
+              <a:ext uri="{FF2B5EF4-FFF2-40B4-BE49-F238E27FC236}">
+                <a16:creationId xmlns:a16="http://schemas.microsoft.com/office/drawing/2014/main" id="{67FA7B2F-F17B-4CAF-82E3-2778E5E5D6C7}"/>
               </a:ext>
             </a:extLst>
           </p:cNvPr>
           <p:cNvCxnSpPr>
             <a:cxnSpLocks/>
-            <a:stCxn id="66" idx="1"/>
-            <a:endCxn id="46" idx="0"/>
+            <a:stCxn id="70" idx="1"/>
+            <a:endCxn id="52" idx="0"/>
           </p:cNvCxnSpPr>
           <p:nvPr/>
         </p:nvCxnSpPr>
         <p:spPr>
           <a:xfrm rot="10800000" flipV="1">
-            <a:off x="1106159" y="4029146"/>
+            <a:off x="1651785" y="3842040"/>
             <a:ext cx="1951373" cy="924147"/>
           </a:xfrm>
           <a:prstGeom prst="bentConnector2">
@@ -4024,10 +4022,10 @@
       </p:cxnSp>
       <p:sp>
         <p:nvSpPr>
-          <p:cNvPr id="46" name="Rectangle 45">
-            <a:extLst>
-              <a:ext uri="{FF2B5EF4-FFF2-40B4-BE49-F238E27FC236}">
-                <a16:creationId xmlns:a16="http://schemas.microsoft.com/office/drawing/2014/main" id="{6324F97B-D06D-400B-82DF-1A3970FD058D}"/>
+          <p:cNvPr id="52" name="Rectangle 51">
+            <a:extLst>
+              <a:ext uri="{FF2B5EF4-FFF2-40B4-BE49-F238E27FC236}">
+                <a16:creationId xmlns:a16="http://schemas.microsoft.com/office/drawing/2014/main" id="{566D8FF2-C5FB-4139-8CAC-E76DE3AB1704}"/>
               </a:ext>
             </a:extLst>
           </p:cNvPr>
@@ -4036,7 +4034,7 @@
         </p:nvSpPr>
         <p:spPr>
           <a:xfrm>
-            <a:off x="185391" y="4953294"/>
+            <a:off x="731017" y="4766188"/>
             <a:ext cx="1841533" cy="561098"/>
           </a:xfrm>
           <a:prstGeom prst="rect">
@@ -4112,10 +4110,10 @@
       </p:sp>
       <p:sp>
         <p:nvSpPr>
-          <p:cNvPr id="51" name="ZoneTexte 50">
-            <a:extLst>
-              <a:ext uri="{FF2B5EF4-FFF2-40B4-BE49-F238E27FC236}">
-                <a16:creationId xmlns:a16="http://schemas.microsoft.com/office/drawing/2014/main" id="{DDA19B55-7B2D-4F80-A8B0-AC35CA3AEB5F}"/>
+          <p:cNvPr id="54" name="ZoneTexte 53">
+            <a:extLst>
+              <a:ext uri="{FF2B5EF4-FFF2-40B4-BE49-F238E27FC236}">
+                <a16:creationId xmlns:a16="http://schemas.microsoft.com/office/drawing/2014/main" id="{82E4207F-4D23-4539-B140-E15CB7100881}"/>
               </a:ext>
             </a:extLst>
           </p:cNvPr>
@@ -4124,7 +4122,7 @@
         </p:nvSpPr>
         <p:spPr>
           <a:xfrm>
-            <a:off x="1140384" y="4538596"/>
+            <a:off x="1686010" y="4351490"/>
             <a:ext cx="578339" cy="369332"/>
           </a:xfrm>
           <a:prstGeom prst="rect">
@@ -4147,10 +4145,10 @@
       </p:sp>
       <p:sp>
         <p:nvSpPr>
-          <p:cNvPr id="2" name="ZoneTexte 1">
-            <a:extLst>
-              <a:ext uri="{FF2B5EF4-FFF2-40B4-BE49-F238E27FC236}">
-                <a16:creationId xmlns:a16="http://schemas.microsoft.com/office/drawing/2014/main" id="{14C66D9E-6541-4236-87A7-C6FE9DAC58A9}"/>
+          <p:cNvPr id="55" name="ZoneTexte 54">
+            <a:extLst>
+              <a:ext uri="{FF2B5EF4-FFF2-40B4-BE49-F238E27FC236}">
+                <a16:creationId xmlns:a16="http://schemas.microsoft.com/office/drawing/2014/main" id="{BCB7C339-5AD2-4331-BA08-AB3A9856588E}"/>
               </a:ext>
             </a:extLst>
           </p:cNvPr>
@@ -4159,8 +4157,8 @@
         </p:nvSpPr>
         <p:spPr>
           <a:xfrm>
-            <a:off x="3497827" y="1136273"/>
-            <a:ext cx="1837542" cy="646331"/>
+            <a:off x="1231751" y="548680"/>
+            <a:ext cx="2681597" cy="369332"/>
           </a:xfrm>
           <a:prstGeom prst="rect">
             <a:avLst/>
@@ -4175,7 +4173,7 @@
           <a:p>
             <a:pPr algn="ctr"/>
             <a:r>
-              <a:rPr lang="en-US" noProof="1">
+              <a:rPr lang="en-US" i="1" noProof="1">
                 <a:solidFill>
                   <a:schemeClr val="accent1">
                     <a:lumMod val="60000"/>
@@ -4190,10 +4188,10 @@
       </p:sp>
       <p:sp>
         <p:nvSpPr>
-          <p:cNvPr id="4" name="ZoneTexte 3">
-            <a:extLst>
-              <a:ext uri="{FF2B5EF4-FFF2-40B4-BE49-F238E27FC236}">
-                <a16:creationId xmlns:a16="http://schemas.microsoft.com/office/drawing/2014/main" id="{5B6C8461-F70B-415E-81E3-8C60209C46E4}"/>
+          <p:cNvPr id="56" name="ZoneTexte 55">
+            <a:extLst>
+              <a:ext uri="{FF2B5EF4-FFF2-40B4-BE49-F238E27FC236}">
+                <a16:creationId xmlns:a16="http://schemas.microsoft.com/office/drawing/2014/main" id="{98668EF6-A4EC-4EEB-9E07-672BDC0586F6}"/>
               </a:ext>
             </a:extLst>
           </p:cNvPr>
@@ -4202,8 +4200,8 @@
         </p:nvSpPr>
         <p:spPr>
           <a:xfrm>
-            <a:off x="1" y="3272579"/>
-            <a:ext cx="3028318" cy="369332"/>
+            <a:off x="4943872" y="2060848"/>
+            <a:ext cx="1908756" cy="646331"/>
           </a:xfrm>
           <a:prstGeom prst="rect">
             <a:avLst/>
@@ -4231,7 +4229,7 @@
           </a:lstStyle>
           <a:p>
             <a:r>
-              <a:rPr lang="en-US" noProof="1"/>
+              <a:rPr lang="en-US" i="1" noProof="1"/>
               <a:t>A medication in the formulary</a:t>
             </a:r>
           </a:p>
@@ -4239,10 +4237,10 @@
       </p:sp>
       <p:sp>
         <p:nvSpPr>
-          <p:cNvPr id="38" name="ZoneTexte 37">
-            <a:extLst>
-              <a:ext uri="{FF2B5EF4-FFF2-40B4-BE49-F238E27FC236}">
-                <a16:creationId xmlns:a16="http://schemas.microsoft.com/office/drawing/2014/main" id="{E0E12FAE-7F9A-490E-9310-F47DB45A8901}"/>
+          <p:cNvPr id="57" name="ZoneTexte 56">
+            <a:extLst>
+              <a:ext uri="{FF2B5EF4-FFF2-40B4-BE49-F238E27FC236}">
+                <a16:creationId xmlns:a16="http://schemas.microsoft.com/office/drawing/2014/main" id="{FF95B2A5-3842-4C38-9A84-A0BE8A229F2F}"/>
               </a:ext>
             </a:extLst>
           </p:cNvPr>
@@ -4251,7 +4249,7 @@
         </p:nvSpPr>
         <p:spPr>
           <a:xfrm>
-            <a:off x="90771" y="5618346"/>
+            <a:off x="636397" y="5431240"/>
             <a:ext cx="2145838" cy="646331"/>
           </a:xfrm>
           <a:prstGeom prst="rect">
@@ -4280,7 +4278,7 @@
           </a:lstStyle>
           <a:p>
             <a:r>
-              <a:rPr lang="en-US" noProof="1"/>
+              <a:rPr lang="en-US" i="1" noProof="1"/>
               <a:t>Detailed description of an ingredient</a:t>
             </a:r>
           </a:p>
@@ -4288,10 +4286,10 @@
       </p:sp>
       <p:sp>
         <p:nvSpPr>
-          <p:cNvPr id="18" name="Rectangle 17">
-            <a:extLst>
-              <a:ext uri="{FF2B5EF4-FFF2-40B4-BE49-F238E27FC236}">
-                <a16:creationId xmlns:a16="http://schemas.microsoft.com/office/drawing/2014/main" id="{0C4C974C-DB2F-4682-BF37-E5EE73D29411}"/>
+          <p:cNvPr id="60" name="Rectangle 59">
+            <a:extLst>
+              <a:ext uri="{FF2B5EF4-FFF2-40B4-BE49-F238E27FC236}">
+                <a16:creationId xmlns:a16="http://schemas.microsoft.com/office/drawing/2014/main" id="{F8C7BCB8-DC24-4FC9-850E-B52DB74CB4F7}"/>
               </a:ext>
             </a:extLst>
           </p:cNvPr>
@@ -4300,7 +4298,7 @@
         </p:nvSpPr>
         <p:spPr>
           <a:xfrm>
-            <a:off x="3974842" y="3075585"/>
+            <a:off x="4520468" y="2897810"/>
             <a:ext cx="340999" cy="196994"/>
           </a:xfrm>
           <a:prstGeom prst="rect">
@@ -4334,10 +4332,10 @@
       </p:sp>
       <p:sp>
         <p:nvSpPr>
-          <p:cNvPr id="41" name="Rectangle 40">
-            <a:extLst>
-              <a:ext uri="{FF2B5EF4-FFF2-40B4-BE49-F238E27FC236}">
-                <a16:creationId xmlns:a16="http://schemas.microsoft.com/office/drawing/2014/main" id="{9E3AEF37-BE16-41F5-A33B-0A84EFE3DF66}"/>
+          <p:cNvPr id="61" name="Rectangle 60">
+            <a:extLst>
+              <a:ext uri="{FF2B5EF4-FFF2-40B4-BE49-F238E27FC236}">
+                <a16:creationId xmlns:a16="http://schemas.microsoft.com/office/drawing/2014/main" id="{7D59F837-9914-45C5-8D60-FFF7961EB577}"/>
               </a:ext>
             </a:extLst>
           </p:cNvPr>
@@ -4346,7 +4344,7 @@
         </p:nvSpPr>
         <p:spPr>
           <a:xfrm>
-            <a:off x="4526808" y="3075585"/>
+            <a:off x="5072434" y="2897810"/>
             <a:ext cx="340999" cy="196994"/>
           </a:xfrm>
           <a:prstGeom prst="rect">
@@ -4378,30 +4376,123 @@
           </a:p>
         </p:txBody>
       </p:sp>
+      <p:sp>
+        <p:nvSpPr>
+          <p:cNvPr id="62" name="Rectangle 61">
+            <a:extLst>
+              <a:ext uri="{FF2B5EF4-FFF2-40B4-BE49-F238E27FC236}">
+                <a16:creationId xmlns:a16="http://schemas.microsoft.com/office/drawing/2014/main" id="{C4BC94CE-C60D-4EEA-BB9C-697F9786597A}"/>
+              </a:ext>
+            </a:extLst>
+          </p:cNvPr>
+          <p:cNvSpPr/>
+          <p:nvPr/>
+        </p:nvSpPr>
+        <p:spPr>
+          <a:xfrm>
+            <a:off x="5990843" y="2933595"/>
+            <a:ext cx="340999" cy="324520"/>
+          </a:xfrm>
+          <a:prstGeom prst="rect">
+            <a:avLst/>
+          </a:prstGeom>
+        </p:spPr>
+        <p:style>
+          <a:lnRef idx="2">
+            <a:schemeClr val="accent1">
+              <a:shade val="50000"/>
+            </a:schemeClr>
+          </a:lnRef>
+          <a:fillRef idx="1">
+            <a:schemeClr val="accent1"/>
+          </a:fillRef>
+          <a:effectRef idx="0">
+            <a:schemeClr val="accent1"/>
+          </a:effectRef>
+          <a:fontRef idx="minor">
+            <a:schemeClr val="lt1"/>
+          </a:fontRef>
+        </p:style>
+        <p:txBody>
+          <a:bodyPr rtlCol="0" anchor="ctr"/>
+          <a:lstStyle/>
+          <a:p>
+            <a:pPr algn="ctr"/>
+            <a:endParaRPr lang="fr-FR"/>
+          </a:p>
+        </p:txBody>
+      </p:sp>
+      <p:sp>
+        <p:nvSpPr>
+          <p:cNvPr id="63" name="Rectangle 62">
+            <a:extLst>
+              <a:ext uri="{FF2B5EF4-FFF2-40B4-BE49-F238E27FC236}">
+                <a16:creationId xmlns:a16="http://schemas.microsoft.com/office/drawing/2014/main" id="{4483320C-A02F-4CA1-AA36-2241A366F566}"/>
+              </a:ext>
+            </a:extLst>
+          </p:cNvPr>
+          <p:cNvSpPr/>
+          <p:nvPr/>
+        </p:nvSpPr>
+        <p:spPr>
+          <a:xfrm>
+            <a:off x="5977532" y="3685794"/>
+            <a:ext cx="340999" cy="324520"/>
+          </a:xfrm>
+          <a:prstGeom prst="rect">
+            <a:avLst/>
+          </a:prstGeom>
+        </p:spPr>
+        <p:style>
+          <a:lnRef idx="2">
+            <a:schemeClr val="accent1">
+              <a:shade val="50000"/>
+            </a:schemeClr>
+          </a:lnRef>
+          <a:fillRef idx="1">
+            <a:schemeClr val="accent1"/>
+          </a:fillRef>
+          <a:effectRef idx="0">
+            <a:schemeClr val="accent1"/>
+          </a:effectRef>
+          <a:fontRef idx="minor">
+            <a:schemeClr val="lt1"/>
+          </a:fontRef>
+        </p:style>
+        <p:txBody>
+          <a:bodyPr rtlCol="0" anchor="ctr"/>
+          <a:lstStyle/>
+          <a:p>
+            <a:pPr algn="ctr"/>
+            <a:endParaRPr lang="fr-FR"/>
+          </a:p>
+        </p:txBody>
+      </p:sp>
       <p:cxnSp>
         <p:nvCxnSpPr>
-          <p:cNvPr id="42" name="Connecteur : en angle 41">
-            <a:extLst>
-              <a:ext uri="{FF2B5EF4-FFF2-40B4-BE49-F238E27FC236}">
-                <a16:creationId xmlns:a16="http://schemas.microsoft.com/office/drawing/2014/main" id="{C691524F-BE17-4970-A666-C3AB18AA5E2B}"/>
+          <p:cNvPr id="67" name="Connecteur : en angle 66">
+            <a:extLst>
+              <a:ext uri="{FF2B5EF4-FFF2-40B4-BE49-F238E27FC236}">
+                <a16:creationId xmlns:a16="http://schemas.microsoft.com/office/drawing/2014/main" id="{FFCD4C86-9653-4757-B246-CC6820CCEDA1}"/>
               </a:ext>
             </a:extLst>
           </p:cNvPr>
           <p:cNvCxnSpPr>
             <a:cxnSpLocks/>
-            <a:stCxn id="45" idx="2"/>
-            <a:endCxn id="41" idx="0"/>
+            <a:stCxn id="62" idx="0"/>
+            <a:endCxn id="62" idx="3"/>
           </p:cNvCxnSpPr>
           <p:nvPr/>
         </p:nvCxnSpPr>
         <p:spPr>
-          <a:xfrm rot="5400000">
-            <a:off x="5590742" y="1228590"/>
-            <a:ext cx="953561" cy="2740428"/>
-          </a:xfrm>
-          <a:prstGeom prst="bentConnector3">
+          <a:xfrm rot="16200000" flipH="1">
+            <a:off x="6165462" y="2929476"/>
+            <a:ext cx="162260" cy="170499"/>
+          </a:xfrm>
+          <a:prstGeom prst="bentConnector4">
             <a:avLst>
-              <a:gd name="adj1" fmla="val 50000"/>
+              <a:gd name="adj1" fmla="val -140885"/>
+              <a:gd name="adj2" fmla="val 234077"/>
             </a:avLst>
           </a:prstGeom>
           <a:ln w="28575">
@@ -4426,10 +4517,80 @@
       </p:cxnSp>
       <p:sp>
         <p:nvSpPr>
-          <p:cNvPr id="45" name="Rectangle 44">
-            <a:extLst>
-              <a:ext uri="{FF2B5EF4-FFF2-40B4-BE49-F238E27FC236}">
-                <a16:creationId xmlns:a16="http://schemas.microsoft.com/office/drawing/2014/main" id="{0736E296-AEEF-4E68-85F6-E1F25226C681}"/>
+          <p:cNvPr id="68" name="ZoneTexte 67">
+            <a:extLst>
+              <a:ext uri="{FF2B5EF4-FFF2-40B4-BE49-F238E27FC236}">
+                <a16:creationId xmlns:a16="http://schemas.microsoft.com/office/drawing/2014/main" id="{7B2B8E8C-47F8-487A-B682-71B73D599797}"/>
+              </a:ext>
+            </a:extLst>
+          </p:cNvPr>
+          <p:cNvSpPr txBox="1"/>
+          <p:nvPr/>
+        </p:nvSpPr>
+        <p:spPr>
+          <a:xfrm>
+            <a:off x="6521003" y="2617644"/>
+            <a:ext cx="4195529" cy="369332"/>
+          </a:xfrm>
+          <a:prstGeom prst="rect">
+            <a:avLst/>
+          </a:prstGeom>
+          <a:noFill/>
+        </p:spPr>
+        <p:txBody>
+          <a:bodyPr wrap="square" rtlCol="0">
+            <a:spAutoFit/>
+          </a:bodyPr>
+          <a:lstStyle/>
+          <a:p>
+            <a:r>
+              <a:rPr lang="en-US" noProof="1"/>
+              <a:t>relatedMedicationKnowledge.reference</a:t>
+            </a:r>
+          </a:p>
+        </p:txBody>
+      </p:sp>
+      <p:sp>
+        <p:nvSpPr>
+          <p:cNvPr id="69" name="ZoneTexte 68">
+            <a:extLst>
+              <a:ext uri="{FF2B5EF4-FFF2-40B4-BE49-F238E27FC236}">
+                <a16:creationId xmlns:a16="http://schemas.microsoft.com/office/drawing/2014/main" id="{54FF49D4-6F61-45C6-AAB9-CAA50F5B7690}"/>
+              </a:ext>
+            </a:extLst>
+          </p:cNvPr>
+          <p:cNvSpPr txBox="1"/>
+          <p:nvPr/>
+        </p:nvSpPr>
+        <p:spPr>
+          <a:xfrm>
+            <a:off x="1012838" y="3500171"/>
+            <a:ext cx="2625028" cy="369332"/>
+          </a:xfrm>
+          <a:prstGeom prst="rect">
+            <a:avLst/>
+          </a:prstGeom>
+          <a:noFill/>
+        </p:spPr>
+        <p:txBody>
+          <a:bodyPr wrap="square" rtlCol="0">
+            <a:spAutoFit/>
+          </a:bodyPr>
+          <a:lstStyle/>
+          <a:p>
+            <a:r>
+              <a:rPr lang="en-US" noProof="1"/>
+              <a:t>ingredient.itemReference</a:t>
+            </a:r>
+          </a:p>
+        </p:txBody>
+      </p:sp>
+      <p:sp>
+        <p:nvSpPr>
+          <p:cNvPr id="70" name="Rectangle 69">
+            <a:extLst>
+              <a:ext uri="{FF2B5EF4-FFF2-40B4-BE49-F238E27FC236}">
+                <a16:creationId xmlns:a16="http://schemas.microsoft.com/office/drawing/2014/main" id="{906FBB79-57D4-4C6D-9D59-93903A3C9351}"/>
               </a:ext>
             </a:extLst>
           </p:cNvPr>
@@ -4438,8 +4599,89 @@
         </p:nvSpPr>
         <p:spPr>
           <a:xfrm>
-            <a:off x="6364817" y="984882"/>
-            <a:ext cx="2145838" cy="1137142"/>
+            <a:off x="3603157" y="3679781"/>
+            <a:ext cx="539154" cy="324520"/>
+          </a:xfrm>
+          <a:prstGeom prst="rect">
+            <a:avLst/>
+          </a:prstGeom>
+        </p:spPr>
+        <p:style>
+          <a:lnRef idx="2">
+            <a:schemeClr val="accent1">
+              <a:shade val="50000"/>
+            </a:schemeClr>
+          </a:lnRef>
+          <a:fillRef idx="1">
+            <a:schemeClr val="accent1"/>
+          </a:fillRef>
+          <a:effectRef idx="0">
+            <a:schemeClr val="accent1"/>
+          </a:effectRef>
+          <a:fontRef idx="minor">
+            <a:schemeClr val="lt1"/>
+          </a:fontRef>
+        </p:style>
+        <p:txBody>
+          <a:bodyPr rtlCol="0" anchor="ctr"/>
+          <a:lstStyle/>
+          <a:p>
+            <a:pPr algn="ctr"/>
+            <a:endParaRPr lang="fr-FR"/>
+          </a:p>
+        </p:txBody>
+      </p:sp>
+      <p:sp>
+        <p:nvSpPr>
+          <p:cNvPr id="71" name="ZoneTexte 70">
+            <a:extLst>
+              <a:ext uri="{FF2B5EF4-FFF2-40B4-BE49-F238E27FC236}">
+                <a16:creationId xmlns:a16="http://schemas.microsoft.com/office/drawing/2014/main" id="{7AA2A329-B337-48DA-923E-63174CB0C5C3}"/>
+              </a:ext>
+            </a:extLst>
+          </p:cNvPr>
+          <p:cNvSpPr txBox="1"/>
+          <p:nvPr/>
+        </p:nvSpPr>
+        <p:spPr>
+          <a:xfrm>
+            <a:off x="6639577" y="2890638"/>
+            <a:ext cx="607145" cy="369332"/>
+          </a:xfrm>
+          <a:prstGeom prst="rect">
+            <a:avLst/>
+          </a:prstGeom>
+          <a:noFill/>
+        </p:spPr>
+        <p:txBody>
+          <a:bodyPr wrap="square" rtlCol="0">
+            <a:spAutoFit/>
+          </a:bodyPr>
+          <a:lstStyle/>
+          <a:p>
+            <a:r>
+              <a:rPr lang="en-US" noProof="1"/>
+              <a:t>0..*</a:t>
+            </a:r>
+          </a:p>
+        </p:txBody>
+      </p:sp>
+      <p:sp>
+        <p:nvSpPr>
+          <p:cNvPr id="72" name="Rectangle 71">
+            <a:extLst>
+              <a:ext uri="{FF2B5EF4-FFF2-40B4-BE49-F238E27FC236}">
+                <a16:creationId xmlns:a16="http://schemas.microsoft.com/office/drawing/2014/main" id="{18BF6AB2-244E-4E4C-BB7F-820AEF7F0F93}"/>
+              </a:ext>
+            </a:extLst>
+          </p:cNvPr>
+          <p:cNvSpPr/>
+          <p:nvPr/>
+        </p:nvSpPr>
+        <p:spPr>
+          <a:xfrm>
+            <a:off x="8293684" y="4243305"/>
+            <a:ext cx="2233710" cy="695103"/>
           </a:xfrm>
           <a:prstGeom prst="rect">
             <a:avLst/>
@@ -4507,183 +4749,34 @@
                   <a:srgbClr val="FFFF00"/>
                 </a:solidFill>
               </a:rPr>
-              <a:t>Catalog </a:t>
-            </a:r>
-            <a:r>
-              <a:rPr lang="en-US" sz="2000" noProof="1"/>
-              <a:t>profile of </a:t>
-            </a:r>
-            <a:r>
-              <a:rPr lang="en-US" sz="2200" noProof="1">
-                <a:solidFill>
-                  <a:srgbClr val="FFFF00"/>
-                </a:solidFill>
-              </a:rPr>
-              <a:t>Composition</a:t>
-            </a:r>
-          </a:p>
-        </p:txBody>
-      </p:sp>
-      <p:sp>
-        <p:nvSpPr>
-          <p:cNvPr id="29" name="ZoneTexte 28">
-            <a:extLst>
-              <a:ext uri="{FF2B5EF4-FFF2-40B4-BE49-F238E27FC236}">
-                <a16:creationId xmlns:a16="http://schemas.microsoft.com/office/drawing/2014/main" id="{97CA5B55-E112-4C9D-A240-12E869993473}"/>
-              </a:ext>
-            </a:extLst>
-          </p:cNvPr>
-          <p:cNvSpPr txBox="1"/>
-          <p:nvPr/>
-        </p:nvSpPr>
-        <p:spPr>
-          <a:xfrm>
-            <a:off x="4185192" y="2426295"/>
-            <a:ext cx="461986" cy="369332"/>
-          </a:xfrm>
-          <a:prstGeom prst="rect">
-            <a:avLst/>
-          </a:prstGeom>
-          <a:noFill/>
-        </p:spPr>
-        <p:txBody>
-          <a:bodyPr wrap="none" rtlCol="0">
-            <a:spAutoFit/>
-          </a:bodyPr>
-          <a:lstStyle/>
-          <a:p>
-            <a:r>
-              <a:rPr lang="fr-FR" dirty="0">
-                <a:solidFill>
-                  <a:schemeClr val="accent1">
-                    <a:lumMod val="60000"/>
-                    <a:lumOff val="40000"/>
-                  </a:schemeClr>
-                </a:solidFill>
-              </a:rPr>
-              <a:t>OR</a:t>
-            </a:r>
-          </a:p>
-        </p:txBody>
-      </p:sp>
-      <p:sp>
-        <p:nvSpPr>
-          <p:cNvPr id="53" name="Rectangle 52">
-            <a:extLst>
-              <a:ext uri="{FF2B5EF4-FFF2-40B4-BE49-F238E27FC236}">
-                <a16:creationId xmlns:a16="http://schemas.microsoft.com/office/drawing/2014/main" id="{8A9B58A0-C40C-4E52-BF23-72924550E3EC}"/>
-              </a:ext>
-            </a:extLst>
-          </p:cNvPr>
-          <p:cNvSpPr/>
-          <p:nvPr/>
-        </p:nvSpPr>
-        <p:spPr>
-          <a:xfrm>
-            <a:off x="5445217" y="3120701"/>
-            <a:ext cx="340999" cy="324520"/>
-          </a:xfrm>
-          <a:prstGeom prst="rect">
-            <a:avLst/>
-          </a:prstGeom>
-        </p:spPr>
-        <p:style>
-          <a:lnRef idx="2">
-            <a:schemeClr val="accent1">
-              <a:shade val="50000"/>
-            </a:schemeClr>
-          </a:lnRef>
-          <a:fillRef idx="1">
-            <a:schemeClr val="accent1"/>
-          </a:fillRef>
-          <a:effectRef idx="0">
-            <a:schemeClr val="accent1"/>
-          </a:effectRef>
-          <a:fontRef idx="minor">
-            <a:schemeClr val="lt1"/>
-          </a:fontRef>
-        </p:style>
-        <p:txBody>
-          <a:bodyPr rtlCol="0" anchor="ctr"/>
-          <a:lstStyle/>
-          <a:p>
-            <a:pPr algn="ctr"/>
-            <a:endParaRPr lang="fr-FR"/>
-          </a:p>
-        </p:txBody>
-      </p:sp>
-      <p:sp>
-        <p:nvSpPr>
-          <p:cNvPr id="58" name="Rectangle 57">
-            <a:extLst>
-              <a:ext uri="{FF2B5EF4-FFF2-40B4-BE49-F238E27FC236}">
-                <a16:creationId xmlns:a16="http://schemas.microsoft.com/office/drawing/2014/main" id="{543DCC3D-F00F-4A3B-B3E9-1AA7B0D6911F}"/>
-              </a:ext>
-            </a:extLst>
-          </p:cNvPr>
-          <p:cNvSpPr/>
-          <p:nvPr/>
-        </p:nvSpPr>
-        <p:spPr>
-          <a:xfrm>
-            <a:off x="5455731" y="3872900"/>
-            <a:ext cx="340999" cy="324520"/>
-          </a:xfrm>
-          <a:prstGeom prst="rect">
-            <a:avLst/>
-          </a:prstGeom>
-        </p:spPr>
-        <p:style>
-          <a:lnRef idx="2">
-            <a:schemeClr val="accent1">
-              <a:shade val="50000"/>
-            </a:schemeClr>
-          </a:lnRef>
-          <a:fillRef idx="1">
-            <a:schemeClr val="accent1"/>
-          </a:fillRef>
-          <a:effectRef idx="0">
-            <a:schemeClr val="accent1"/>
-          </a:effectRef>
-          <a:fontRef idx="minor">
-            <a:schemeClr val="lt1"/>
-          </a:fontRef>
-        </p:style>
-        <p:txBody>
-          <a:bodyPr rtlCol="0" anchor="ctr"/>
-          <a:lstStyle/>
-          <a:p>
-            <a:pPr algn="ctr"/>
-            <a:endParaRPr lang="fr-FR"/>
+              <a:t>ClinicalUseIssue</a:t>
+            </a:r>
           </a:p>
         </p:txBody>
       </p:sp>
       <p:cxnSp>
         <p:nvCxnSpPr>
-          <p:cNvPr id="59" name="Connecteur : en angle 58">
-            <a:extLst>
-              <a:ext uri="{FF2B5EF4-FFF2-40B4-BE49-F238E27FC236}">
-                <a16:creationId xmlns:a16="http://schemas.microsoft.com/office/drawing/2014/main" id="{C516C08B-E656-4E4A-B0B6-18D2A2D32D0D}"/>
+          <p:cNvPr id="73" name="Connecteur : en angle 72">
+            <a:extLst>
+              <a:ext uri="{FF2B5EF4-FFF2-40B4-BE49-F238E27FC236}">
+                <a16:creationId xmlns:a16="http://schemas.microsoft.com/office/drawing/2014/main" id="{E3F0BACF-FDB4-4C30-8284-EDDB00D95AB8}"/>
               </a:ext>
             </a:extLst>
           </p:cNvPr>
           <p:cNvCxnSpPr>
             <a:cxnSpLocks/>
-            <a:stCxn id="53" idx="0"/>
-            <a:endCxn id="53" idx="3"/>
+            <a:stCxn id="63" idx="3"/>
+            <a:endCxn id="72" idx="0"/>
           </p:cNvCxnSpPr>
           <p:nvPr/>
         </p:nvCxnSpPr>
         <p:spPr>
-          <a:xfrm rot="16200000" flipH="1">
-            <a:off x="5619836" y="3116582"/>
-            <a:ext cx="162260" cy="170499"/>
-          </a:xfrm>
-          <a:prstGeom prst="bentConnector4">
-            <a:avLst>
-              <a:gd name="adj1" fmla="val -140885"/>
-              <a:gd name="adj2" fmla="val 234077"/>
-            </a:avLst>
+          <a:xfrm>
+            <a:off x="6318531" y="3848054"/>
+            <a:ext cx="3092008" cy="395251"/>
+          </a:xfrm>
+          <a:prstGeom prst="bentConnector2">
+            <a:avLst/>
           </a:prstGeom>
           <a:ln w="28575">
             <a:headEnd type="none" w="med" len="med"/>
@@ -4707,10 +4800,10 @@
       </p:cxnSp>
       <p:sp>
         <p:nvSpPr>
-          <p:cNvPr id="64" name="ZoneTexte 63">
-            <a:extLst>
-              <a:ext uri="{FF2B5EF4-FFF2-40B4-BE49-F238E27FC236}">
-                <a16:creationId xmlns:a16="http://schemas.microsoft.com/office/drawing/2014/main" id="{8557EF42-0914-4611-94A2-C378FCA4C870}"/>
+          <p:cNvPr id="74" name="ZoneTexte 73">
+            <a:extLst>
+              <a:ext uri="{FF2B5EF4-FFF2-40B4-BE49-F238E27FC236}">
+                <a16:creationId xmlns:a16="http://schemas.microsoft.com/office/drawing/2014/main" id="{11F92BB6-9CA1-43DC-AAEE-F77E2F2AF8BE}"/>
               </a:ext>
             </a:extLst>
           </p:cNvPr>
@@ -4719,8 +4812,8 @@
         </p:nvSpPr>
         <p:spPr>
           <a:xfrm>
-            <a:off x="5975377" y="2804750"/>
-            <a:ext cx="4195529" cy="369332"/>
+            <a:off x="9462368" y="3820852"/>
+            <a:ext cx="578339" cy="369332"/>
           </a:xfrm>
           <a:prstGeom prst="rect">
             <a:avLst/>
@@ -4735,17 +4828,17 @@
           <a:p>
             <a:r>
               <a:rPr lang="en-US" noProof="1"/>
-              <a:t>relatedMedicationKnowledge.reference</a:t>
-            </a:r>
-          </a:p>
-        </p:txBody>
-      </p:sp>
-      <p:sp>
-        <p:nvSpPr>
-          <p:cNvPr id="65" name="ZoneTexte 64">
-            <a:extLst>
-              <a:ext uri="{FF2B5EF4-FFF2-40B4-BE49-F238E27FC236}">
-                <a16:creationId xmlns:a16="http://schemas.microsoft.com/office/drawing/2014/main" id="{8496304E-83A4-4626-9234-5041F2A29C12}"/>
+              <a:t>0..*</a:t>
+            </a:r>
+          </a:p>
+        </p:txBody>
+      </p:sp>
+      <p:sp>
+        <p:nvSpPr>
+          <p:cNvPr id="75" name="ZoneTexte 74">
+            <a:extLst>
+              <a:ext uri="{FF2B5EF4-FFF2-40B4-BE49-F238E27FC236}">
+                <a16:creationId xmlns:a16="http://schemas.microsoft.com/office/drawing/2014/main" id="{CA357DC6-0764-40E3-BB9C-AD09AF822401}"/>
               </a:ext>
             </a:extLst>
           </p:cNvPr>
@@ -4754,8 +4847,8 @@
         </p:nvSpPr>
         <p:spPr>
           <a:xfrm>
-            <a:off x="467212" y="3687277"/>
-            <a:ext cx="2625028" cy="369332"/>
+            <a:off x="6329053" y="3460694"/>
+            <a:ext cx="4591483" cy="369332"/>
           </a:xfrm>
           <a:prstGeom prst="rect">
             <a:avLst/>
@@ -4770,17 +4863,17 @@
           <a:p>
             <a:r>
               <a:rPr lang="en-US" noProof="1"/>
-              <a:t>ingredient.itemReference</a:t>
-            </a:r>
-          </a:p>
-        </p:txBody>
-      </p:sp>
-      <p:sp>
-        <p:nvSpPr>
-          <p:cNvPr id="66" name="Rectangle 65">
-            <a:extLst>
-              <a:ext uri="{FF2B5EF4-FFF2-40B4-BE49-F238E27FC236}">
-                <a16:creationId xmlns:a16="http://schemas.microsoft.com/office/drawing/2014/main" id="{6B69C40E-C7DB-4EAD-B7F6-14CA889E4DD5}"/>
+              <a:t>administrationGuideline.indicationReference</a:t>
+            </a:r>
+          </a:p>
+        </p:txBody>
+      </p:sp>
+      <p:sp>
+        <p:nvSpPr>
+          <p:cNvPr id="85" name="Rectangle 84">
+            <a:extLst>
+              <a:ext uri="{FF2B5EF4-FFF2-40B4-BE49-F238E27FC236}">
+                <a16:creationId xmlns:a16="http://schemas.microsoft.com/office/drawing/2014/main" id="{D521CB7F-FC44-4099-BC6E-5BB3807499DE}"/>
               </a:ext>
             </a:extLst>
           </p:cNvPr>
@@ -4789,159 +4882,8 @@
         </p:nvSpPr>
         <p:spPr>
           <a:xfrm>
-            <a:off x="3057531" y="3866887"/>
-            <a:ext cx="539154" cy="324520"/>
-          </a:xfrm>
-          <a:prstGeom prst="rect">
-            <a:avLst/>
-          </a:prstGeom>
-        </p:spPr>
-        <p:style>
-          <a:lnRef idx="2">
-            <a:schemeClr val="accent1">
-              <a:shade val="50000"/>
-            </a:schemeClr>
-          </a:lnRef>
-          <a:fillRef idx="1">
-            <a:schemeClr val="accent1"/>
-          </a:fillRef>
-          <a:effectRef idx="0">
-            <a:schemeClr val="accent1"/>
-          </a:effectRef>
-          <a:fontRef idx="minor">
-            <a:schemeClr val="lt1"/>
-          </a:fontRef>
-        </p:style>
-        <p:txBody>
-          <a:bodyPr rtlCol="0" anchor="ctr"/>
-          <a:lstStyle/>
-          <a:p>
-            <a:pPr algn="ctr"/>
-            <a:endParaRPr lang="fr-FR"/>
-          </a:p>
-        </p:txBody>
-      </p:sp>
-      <p:sp>
-        <p:nvSpPr>
-          <p:cNvPr id="76" name="ZoneTexte 75">
-            <a:extLst>
-              <a:ext uri="{FF2B5EF4-FFF2-40B4-BE49-F238E27FC236}">
-                <a16:creationId xmlns:a16="http://schemas.microsoft.com/office/drawing/2014/main" id="{B05F6BC9-EFBF-45EC-B798-E8D5951D77BE}"/>
-              </a:ext>
-            </a:extLst>
-          </p:cNvPr>
-          <p:cNvSpPr txBox="1"/>
-          <p:nvPr/>
-        </p:nvSpPr>
-        <p:spPr>
-          <a:xfrm>
-            <a:off x="7471617" y="2094055"/>
-            <a:ext cx="1476440" cy="369332"/>
-          </a:xfrm>
-          <a:prstGeom prst="rect">
-            <a:avLst/>
-          </a:prstGeom>
-          <a:noFill/>
-        </p:spPr>
-        <p:txBody>
-          <a:bodyPr wrap="square" rtlCol="0">
-            <a:spAutoFit/>
-          </a:bodyPr>
-          <a:lstStyle/>
-          <a:p>
-            <a:r>
-              <a:rPr lang="en-US" noProof="1"/>
-              <a:t>section.entry</a:t>
-            </a:r>
-          </a:p>
-        </p:txBody>
-      </p:sp>
-      <p:sp>
-        <p:nvSpPr>
-          <p:cNvPr id="77" name="ZoneTexte 76">
-            <a:extLst>
-              <a:ext uri="{FF2B5EF4-FFF2-40B4-BE49-F238E27FC236}">
-                <a16:creationId xmlns:a16="http://schemas.microsoft.com/office/drawing/2014/main" id="{A44F8136-AB90-42A9-BEB4-8FF927B27FF7}"/>
-              </a:ext>
-            </a:extLst>
-          </p:cNvPr>
-          <p:cNvSpPr txBox="1"/>
-          <p:nvPr/>
-        </p:nvSpPr>
-        <p:spPr>
-          <a:xfrm>
-            <a:off x="4697307" y="2610961"/>
-            <a:ext cx="607145" cy="369332"/>
-          </a:xfrm>
-          <a:prstGeom prst="rect">
-            <a:avLst/>
-          </a:prstGeom>
-          <a:noFill/>
-        </p:spPr>
-        <p:txBody>
-          <a:bodyPr wrap="square" rtlCol="0">
-            <a:spAutoFit/>
-          </a:bodyPr>
-          <a:lstStyle/>
-          <a:p>
-            <a:r>
-              <a:rPr lang="en-US" noProof="1"/>
-              <a:t>0..*</a:t>
-            </a:r>
-          </a:p>
-        </p:txBody>
-      </p:sp>
-      <p:sp>
-        <p:nvSpPr>
-          <p:cNvPr id="78" name="ZoneTexte 77">
-            <a:extLst>
-              <a:ext uri="{FF2B5EF4-FFF2-40B4-BE49-F238E27FC236}">
-                <a16:creationId xmlns:a16="http://schemas.microsoft.com/office/drawing/2014/main" id="{AC4046A4-D232-473B-9F2D-9F7674566BF4}"/>
-              </a:ext>
-            </a:extLst>
-          </p:cNvPr>
-          <p:cNvSpPr txBox="1"/>
-          <p:nvPr/>
-        </p:nvSpPr>
-        <p:spPr>
-          <a:xfrm>
-            <a:off x="6093951" y="3077744"/>
-            <a:ext cx="607145" cy="369332"/>
-          </a:xfrm>
-          <a:prstGeom prst="rect">
-            <a:avLst/>
-          </a:prstGeom>
-          <a:noFill/>
-        </p:spPr>
-        <p:txBody>
-          <a:bodyPr wrap="square" rtlCol="0">
-            <a:spAutoFit/>
-          </a:bodyPr>
-          <a:lstStyle/>
-          <a:p>
-            <a:r>
-              <a:rPr lang="en-US" noProof="1"/>
-              <a:t>0..*</a:t>
-            </a:r>
-          </a:p>
-        </p:txBody>
-      </p:sp>
-      <p:sp>
-        <p:nvSpPr>
-          <p:cNvPr id="79" name="Rectangle 78">
-            <a:extLst>
-              <a:ext uri="{FF2B5EF4-FFF2-40B4-BE49-F238E27FC236}">
-                <a16:creationId xmlns:a16="http://schemas.microsoft.com/office/drawing/2014/main" id="{76A7440C-B119-49C9-9B9C-97837351B98B}"/>
-              </a:ext>
-            </a:extLst>
-          </p:cNvPr>
-          <p:cNvSpPr/>
-          <p:nvPr/>
-        </p:nvSpPr>
-        <p:spPr>
-          <a:xfrm>
-            <a:off x="9770178" y="4430411"/>
-            <a:ext cx="2233710" cy="695103"/>
+            <a:off x="7891441" y="5351132"/>
+            <a:ext cx="2635953" cy="695103"/>
           </a:xfrm>
           <a:prstGeom prst="rect">
             <a:avLst/>
@@ -5009,31 +4951,31 @@
                   <a:srgbClr val="FFFF00"/>
                 </a:solidFill>
               </a:rPr>
-              <a:t>ClinicalUseIssue</a:t>
+              <a:t>DocumentReference</a:t>
             </a:r>
           </a:p>
         </p:txBody>
       </p:sp>
       <p:cxnSp>
         <p:nvCxnSpPr>
-          <p:cNvPr id="80" name="Connecteur : en angle 79">
-            <a:extLst>
-              <a:ext uri="{FF2B5EF4-FFF2-40B4-BE49-F238E27FC236}">
-                <a16:creationId xmlns:a16="http://schemas.microsoft.com/office/drawing/2014/main" id="{290BAD5C-AB7C-4779-B4E3-A264AC253CEE}"/>
+          <p:cNvPr id="88" name="Connecteur : en angle 87">
+            <a:extLst>
+              <a:ext uri="{FF2B5EF4-FFF2-40B4-BE49-F238E27FC236}">
+                <a16:creationId xmlns:a16="http://schemas.microsoft.com/office/drawing/2014/main" id="{99974CE7-5DE4-43C9-9249-696F641694BB}"/>
               </a:ext>
             </a:extLst>
           </p:cNvPr>
           <p:cNvCxnSpPr>
             <a:cxnSpLocks/>
-            <a:stCxn id="58" idx="3"/>
-            <a:endCxn id="79" idx="0"/>
+            <a:stCxn id="63" idx="2"/>
+            <a:endCxn id="85" idx="1"/>
           </p:cNvCxnSpPr>
           <p:nvPr/>
         </p:nvCxnSpPr>
         <p:spPr>
-          <a:xfrm>
-            <a:off x="5796730" y="4035160"/>
-            <a:ext cx="5090303" cy="395251"/>
+          <a:xfrm rot="16200000" flipH="1">
+            <a:off x="6175551" y="3982794"/>
+            <a:ext cx="1688370" cy="1743409"/>
           </a:xfrm>
           <a:prstGeom prst="bentConnector2">
             <a:avLst/>
@@ -5060,10 +5002,10 @@
       </p:cxnSp>
       <p:sp>
         <p:nvSpPr>
-          <p:cNvPr id="81" name="ZoneTexte 80">
-            <a:extLst>
-              <a:ext uri="{FF2B5EF4-FFF2-40B4-BE49-F238E27FC236}">
-                <a16:creationId xmlns:a16="http://schemas.microsoft.com/office/drawing/2014/main" id="{5389545F-4984-4452-B307-860663536A2F}"/>
+          <p:cNvPr id="91" name="ZoneTexte 90">
+            <a:extLst>
+              <a:ext uri="{FF2B5EF4-FFF2-40B4-BE49-F238E27FC236}">
+                <a16:creationId xmlns:a16="http://schemas.microsoft.com/office/drawing/2014/main" id="{FC633AE1-FD18-4F18-8AFF-3DA47F906EFF}"/>
               </a:ext>
             </a:extLst>
           </p:cNvPr>
@@ -5072,8 +5014,8 @@
         </p:nvSpPr>
         <p:spPr>
           <a:xfrm>
-            <a:off x="10938862" y="4007958"/>
-            <a:ext cx="578339" cy="369332"/>
+            <a:off x="6171856" y="4065078"/>
+            <a:ext cx="2127663" cy="369332"/>
           </a:xfrm>
           <a:prstGeom prst="rect">
             <a:avLst/>
@@ -5088,17 +5030,17 @@
           <a:p>
             <a:r>
               <a:rPr lang="en-US" noProof="1"/>
-              <a:t>0..*</a:t>
-            </a:r>
-          </a:p>
-        </p:txBody>
-      </p:sp>
-      <p:sp>
-        <p:nvSpPr>
-          <p:cNvPr id="82" name="ZoneTexte 81">
-            <a:extLst>
-              <a:ext uri="{FF2B5EF4-FFF2-40B4-BE49-F238E27FC236}">
-                <a16:creationId xmlns:a16="http://schemas.microsoft.com/office/drawing/2014/main" id="{1F530B13-5A3A-4AEB-81C7-401E072832A9}"/>
+              <a:t>monograph.source</a:t>
+            </a:r>
+          </a:p>
+        </p:txBody>
+      </p:sp>
+      <p:sp>
+        <p:nvSpPr>
+          <p:cNvPr id="92" name="ZoneTexte 91">
+            <a:extLst>
+              <a:ext uri="{FF2B5EF4-FFF2-40B4-BE49-F238E27FC236}">
+                <a16:creationId xmlns:a16="http://schemas.microsoft.com/office/drawing/2014/main" id="{C1527532-B712-4269-80FA-5AF8F94A3788}"/>
               </a:ext>
             </a:extLst>
           </p:cNvPr>
@@ -5107,8 +5049,8 @@
         </p:nvSpPr>
         <p:spPr>
           <a:xfrm>
-            <a:off x="5783427" y="3647800"/>
-            <a:ext cx="4591483" cy="369332"/>
+            <a:off x="7289698" y="5205459"/>
+            <a:ext cx="578339" cy="369332"/>
           </a:xfrm>
           <a:prstGeom prst="rect">
             <a:avLst/>
@@ -5123,17 +5065,17 @@
           <a:p>
             <a:r>
               <a:rPr lang="en-US" noProof="1"/>
-              <a:t>administrationGuideline.indicationReference</a:t>
-            </a:r>
-          </a:p>
-        </p:txBody>
-      </p:sp>
-      <p:sp>
-        <p:nvSpPr>
-          <p:cNvPr id="83" name="Rectangle 82">
-            <a:extLst>
-              <a:ext uri="{FF2B5EF4-FFF2-40B4-BE49-F238E27FC236}">
-                <a16:creationId xmlns:a16="http://schemas.microsoft.com/office/drawing/2014/main" id="{02805C96-98FA-44E6-98D0-E2038946710E}"/>
+              <a:t>0..*</a:t>
+            </a:r>
+          </a:p>
+        </p:txBody>
+      </p:sp>
+      <p:sp>
+        <p:nvSpPr>
+          <p:cNvPr id="93" name="Rectangle 92">
+            <a:extLst>
+              <a:ext uri="{FF2B5EF4-FFF2-40B4-BE49-F238E27FC236}">
+                <a16:creationId xmlns:a16="http://schemas.microsoft.com/office/drawing/2014/main" id="{5D1148D1-CCEB-4F14-927E-40FD38C48266}"/>
               </a:ext>
             </a:extLst>
           </p:cNvPr>
@@ -5142,8 +5084,8 @@
         </p:nvSpPr>
         <p:spPr>
           <a:xfrm>
-            <a:off x="9367935" y="5538238"/>
-            <a:ext cx="2635953" cy="695103"/>
+            <a:off x="4109918" y="5476572"/>
+            <a:ext cx="1693939" cy="734691"/>
           </a:xfrm>
           <a:prstGeom prst="rect">
             <a:avLst/>
@@ -5211,31 +5153,31 @@
                   <a:srgbClr val="FFFF00"/>
                 </a:solidFill>
               </a:rPr>
-              <a:t>DocumentReference</a:t>
+              <a:t>Organization</a:t>
             </a:r>
           </a:p>
         </p:txBody>
       </p:sp>
       <p:cxnSp>
         <p:nvCxnSpPr>
-          <p:cNvPr id="84" name="Connecteur : en angle 83">
-            <a:extLst>
-              <a:ext uri="{FF2B5EF4-FFF2-40B4-BE49-F238E27FC236}">
-                <a16:creationId xmlns:a16="http://schemas.microsoft.com/office/drawing/2014/main" id="{B18F4A4C-959C-4537-89D2-256F7A61E632}"/>
+          <p:cNvPr id="94" name="Connecteur : en angle 93">
+            <a:extLst>
+              <a:ext uri="{FF2B5EF4-FFF2-40B4-BE49-F238E27FC236}">
+                <a16:creationId xmlns:a16="http://schemas.microsoft.com/office/drawing/2014/main" id="{57A7977F-AA5D-4902-87AA-D9AE6CC4C34C}"/>
               </a:ext>
             </a:extLst>
           </p:cNvPr>
           <p:cNvCxnSpPr>
             <a:cxnSpLocks/>
-            <a:stCxn id="58" idx="2"/>
-            <a:endCxn id="83" idx="1"/>
+            <a:stCxn id="70" idx="2"/>
+            <a:endCxn id="93" idx="1"/>
           </p:cNvCxnSpPr>
           <p:nvPr/>
         </p:nvCxnSpPr>
         <p:spPr>
           <a:xfrm rot="16200000" flipH="1">
-            <a:off x="6652898" y="3170753"/>
-            <a:ext cx="1688370" cy="3741704"/>
+            <a:off x="3071518" y="4805517"/>
+            <a:ext cx="1839617" cy="237184"/>
           </a:xfrm>
           <a:prstGeom prst="bentConnector2">
             <a:avLst/>
@@ -5262,10 +5204,10 @@
       </p:cxnSp>
       <p:sp>
         <p:nvSpPr>
-          <p:cNvPr id="86" name="ZoneTexte 85">
-            <a:extLst>
-              <a:ext uri="{FF2B5EF4-FFF2-40B4-BE49-F238E27FC236}">
-                <a16:creationId xmlns:a16="http://schemas.microsoft.com/office/drawing/2014/main" id="{B823AA54-C27A-459E-86E3-E5AF43BF9955}"/>
+          <p:cNvPr id="97" name="ZoneTexte 96">
+            <a:extLst>
+              <a:ext uri="{FF2B5EF4-FFF2-40B4-BE49-F238E27FC236}">
+                <a16:creationId xmlns:a16="http://schemas.microsoft.com/office/drawing/2014/main" id="{F55044E6-E22B-4978-AE3C-3296A2509990}"/>
               </a:ext>
             </a:extLst>
           </p:cNvPr>
@@ -5274,8 +5216,8 @@
         </p:nvSpPr>
         <p:spPr>
           <a:xfrm>
-            <a:off x="5626230" y="4252184"/>
-            <a:ext cx="2127663" cy="369332"/>
+            <a:off x="2480123" y="4009880"/>
+            <a:ext cx="1542761" cy="369332"/>
           </a:xfrm>
           <a:prstGeom prst="rect">
             <a:avLst/>
@@ -5290,17 +5232,17 @@
           <a:p>
             <a:r>
               <a:rPr lang="en-US" noProof="1"/>
-              <a:t>monograph.source</a:t>
-            </a:r>
-          </a:p>
-        </p:txBody>
-      </p:sp>
-      <p:sp>
-        <p:nvSpPr>
-          <p:cNvPr id="87" name="ZoneTexte 86">
-            <a:extLst>
-              <a:ext uri="{FF2B5EF4-FFF2-40B4-BE49-F238E27FC236}">
-                <a16:creationId xmlns:a16="http://schemas.microsoft.com/office/drawing/2014/main" id="{C752915E-DFE4-4928-86D0-B319DA9126BD}"/>
+              <a:t>manufacturer</a:t>
+            </a:r>
+          </a:p>
+        </p:txBody>
+      </p:sp>
+      <p:sp>
+        <p:nvSpPr>
+          <p:cNvPr id="98" name="ZoneTexte 97">
+            <a:extLst>
+              <a:ext uri="{FF2B5EF4-FFF2-40B4-BE49-F238E27FC236}">
+                <a16:creationId xmlns:a16="http://schemas.microsoft.com/office/drawing/2014/main" id="{FA01A06B-4344-4314-9860-AD2632904CBC}"/>
               </a:ext>
             </a:extLst>
           </p:cNvPr>
@@ -5309,7 +5251,7 @@
         </p:nvSpPr>
         <p:spPr>
           <a:xfrm>
-            <a:off x="8766192" y="5392565"/>
+            <a:off x="3336476" y="5637637"/>
             <a:ext cx="578339" cy="369332"/>
           </a:xfrm>
           <a:prstGeom prst="rect">
@@ -5325,66 +5267,153 @@
           <a:p>
             <a:r>
               <a:rPr lang="en-US" noProof="1"/>
-              <a:t>0..*</a:t>
-            </a:r>
-          </a:p>
-        </p:txBody>
-      </p:sp>
-      <p:sp>
-        <p:nvSpPr>
-          <p:cNvPr id="89" name="Rectangle 88">
-            <a:extLst>
-              <a:ext uri="{FF2B5EF4-FFF2-40B4-BE49-F238E27FC236}">
-                <a16:creationId xmlns:a16="http://schemas.microsoft.com/office/drawing/2014/main" id="{B4181FCE-1070-4BAF-ADD0-462DC1C05C24}"/>
-              </a:ext>
-            </a:extLst>
-          </p:cNvPr>
-          <p:cNvSpPr/>
+              <a:t>0..1</a:t>
+            </a:r>
+          </a:p>
+        </p:txBody>
+      </p:sp>
+      <p:cxnSp>
+        <p:nvCxnSpPr>
+          <p:cNvPr id="99" name="Connecteur : en angle 98">
+            <a:extLst>
+              <a:ext uri="{FF2B5EF4-FFF2-40B4-BE49-F238E27FC236}">
+                <a16:creationId xmlns:a16="http://schemas.microsoft.com/office/drawing/2014/main" id="{2573C4F8-5660-4FF3-8C7B-2D09B228B1E5}"/>
+              </a:ext>
+            </a:extLst>
+          </p:cNvPr>
+          <p:cNvCxnSpPr>
+            <a:cxnSpLocks/>
+            <a:stCxn id="102" idx="2"/>
+            <a:endCxn id="93" idx="0"/>
+          </p:cNvCxnSpPr>
           <p:nvPr/>
+        </p:nvCxnSpPr>
+        <p:spPr>
+          <a:xfrm rot="16200000" flipH="1">
+            <a:off x="4029319" y="4549003"/>
+            <a:ext cx="1472108" cy="383029"/>
+          </a:xfrm>
+          <a:prstGeom prst="bentConnector3">
+            <a:avLst>
+              <a:gd name="adj1" fmla="val 62043"/>
+            </a:avLst>
+          </a:prstGeom>
+          <a:ln w="28575">
+            <a:headEnd type="none" w="med" len="med"/>
+            <a:tailEnd type="arrow" w="med" len="med"/>
+          </a:ln>
+        </p:spPr>
+        <p:style>
+          <a:lnRef idx="1">
+            <a:schemeClr val="accent1"/>
+          </a:lnRef>
+          <a:fillRef idx="0">
+            <a:schemeClr val="accent1"/>
+          </a:fillRef>
+          <a:effectRef idx="0">
+            <a:schemeClr val="accent1"/>
+          </a:effectRef>
+          <a:fontRef idx="minor">
+            <a:schemeClr val="tx1"/>
+          </a:fontRef>
+        </p:style>
+      </p:cxnSp>
+      <p:sp>
+        <p:nvSpPr>
+          <p:cNvPr id="100" name="ZoneTexte 99">
+            <a:extLst>
+              <a:ext uri="{FF2B5EF4-FFF2-40B4-BE49-F238E27FC236}">
+                <a16:creationId xmlns:a16="http://schemas.microsoft.com/office/drawing/2014/main" id="{9A493B72-12B6-44AD-83C1-CF900B7797EE}"/>
+              </a:ext>
+            </a:extLst>
+          </p:cNvPr>
+          <p:cNvSpPr txBox="1"/>
+          <p:nvPr/>
         </p:nvSpPr>
         <p:spPr>
           <a:xfrm>
-            <a:off x="3564292" y="5663678"/>
-            <a:ext cx="1693939" cy="734691"/>
+            <a:off x="4992049" y="5029491"/>
+            <a:ext cx="578339" cy="369332"/>
           </a:xfrm>
           <a:prstGeom prst="rect">
             <a:avLst/>
           </a:prstGeom>
-          <a:gradFill flip="none" rotWithShape="1">
-            <a:gsLst>
-              <a:gs pos="0">
-                <a:schemeClr val="accent1">
-                  <a:shade val="30000"/>
-                  <a:satMod val="115000"/>
-                </a:schemeClr>
-              </a:gs>
-              <a:gs pos="50000">
-                <a:schemeClr val="accent1">
-                  <a:shade val="67500"/>
-                  <a:satMod val="115000"/>
-                </a:schemeClr>
-              </a:gs>
-              <a:gs pos="100000">
-                <a:schemeClr val="accent1">
-                  <a:shade val="100000"/>
-                  <a:satMod val="115000"/>
-                </a:schemeClr>
-              </a:gs>
-            </a:gsLst>
-            <a:lin ang="0" scaled="1"/>
-            <a:tileRect/>
-          </a:gradFill>
-          <a:ln>
-            <a:noFill/>
-          </a:ln>
-          <a:effectLst>
-            <a:glow rad="139700">
-              <a:schemeClr val="accent1">
-                <a:satMod val="175000"/>
-                <a:alpha val="40000"/>
-              </a:schemeClr>
-            </a:glow>
-          </a:effectLst>
+          <a:noFill/>
+        </p:spPr>
+        <p:txBody>
+          <a:bodyPr wrap="square" rtlCol="0">
+            <a:spAutoFit/>
+          </a:bodyPr>
+          <a:lstStyle/>
+          <a:p>
+            <a:r>
+              <a:rPr lang="en-US" noProof="1"/>
+              <a:t>0..*</a:t>
+            </a:r>
+          </a:p>
+        </p:txBody>
+      </p:sp>
+      <p:sp>
+        <p:nvSpPr>
+          <p:cNvPr id="101" name="ZoneTexte 100">
+            <a:extLst>
+              <a:ext uri="{FF2B5EF4-FFF2-40B4-BE49-F238E27FC236}">
+                <a16:creationId xmlns:a16="http://schemas.microsoft.com/office/drawing/2014/main" id="{E7402E6A-87D2-40D1-AE22-D2B81FE8F669}"/>
+              </a:ext>
+            </a:extLst>
+          </p:cNvPr>
+          <p:cNvSpPr txBox="1"/>
+          <p:nvPr/>
+        </p:nvSpPr>
+        <p:spPr>
+          <a:xfrm>
+            <a:off x="4560627" y="4015078"/>
+            <a:ext cx="1208988" cy="923330"/>
+          </a:xfrm>
+          <a:prstGeom prst="rect">
+            <a:avLst/>
+          </a:prstGeom>
+          <a:noFill/>
+        </p:spPr>
+        <p:txBody>
+          <a:bodyPr wrap="square" rtlCol="0">
+            <a:spAutoFit/>
+          </a:bodyPr>
+          <a:lstStyle/>
+          <a:p>
+            <a:r>
+              <a:rPr lang="en-US" noProof="1"/>
+              <a:t>regulatory.regulatory</a:t>
+            </a:r>
+          </a:p>
+          <a:p>
+            <a:r>
+              <a:rPr lang="en-US" noProof="1"/>
+              <a:t>Authority</a:t>
+            </a:r>
+          </a:p>
+        </p:txBody>
+      </p:sp>
+      <p:sp>
+        <p:nvSpPr>
+          <p:cNvPr id="102" name="Rectangle 101">
+            <a:extLst>
+              <a:ext uri="{FF2B5EF4-FFF2-40B4-BE49-F238E27FC236}">
+                <a16:creationId xmlns:a16="http://schemas.microsoft.com/office/drawing/2014/main" id="{57EBDF77-BAB1-4174-8FF0-57AC56D8A81B}"/>
+              </a:ext>
+            </a:extLst>
+          </p:cNvPr>
+          <p:cNvSpPr/>
+          <p:nvPr/>
+        </p:nvSpPr>
+        <p:spPr>
+          <a:xfrm>
+            <a:off x="4340802" y="3679944"/>
+            <a:ext cx="466113" cy="324520"/>
+          </a:xfrm>
+          <a:prstGeom prst="rect">
+            <a:avLst/>
+          </a:prstGeom>
         </p:spPr>
         <p:style>
           <a:lnRef idx="2">
@@ -5407,259 +5436,16 @@
           <a:lstStyle/>
           <a:p>
             <a:pPr algn="ctr"/>
-            <a:r>
-              <a:rPr lang="en-US" sz="2200" noProof="1">
-                <a:solidFill>
-                  <a:srgbClr val="FFFF00"/>
-                </a:solidFill>
-              </a:rPr>
-              <a:t>Organization</a:t>
-            </a:r>
-          </a:p>
-        </p:txBody>
-      </p:sp>
-      <p:cxnSp>
-        <p:nvCxnSpPr>
-          <p:cNvPr id="90" name="Connecteur : en angle 89">
-            <a:extLst>
-              <a:ext uri="{FF2B5EF4-FFF2-40B4-BE49-F238E27FC236}">
-                <a16:creationId xmlns:a16="http://schemas.microsoft.com/office/drawing/2014/main" id="{F9123053-3071-4616-B10E-4FB7C7CA9EC0}"/>
-              </a:ext>
-            </a:extLst>
-          </p:cNvPr>
-          <p:cNvCxnSpPr>
-            <a:cxnSpLocks/>
-            <a:stCxn id="66" idx="2"/>
-            <a:endCxn id="89" idx="1"/>
-          </p:cNvCxnSpPr>
-          <p:nvPr/>
-        </p:nvCxnSpPr>
-        <p:spPr>
-          <a:xfrm rot="16200000" flipH="1">
-            <a:off x="2525892" y="4992623"/>
-            <a:ext cx="1839617" cy="237184"/>
-          </a:xfrm>
-          <a:prstGeom prst="bentConnector2">
-            <a:avLst/>
-          </a:prstGeom>
-          <a:ln w="28575">
-            <a:headEnd type="none" w="med" len="med"/>
-            <a:tailEnd type="arrow" w="med" len="med"/>
-          </a:ln>
-        </p:spPr>
-        <p:style>
-          <a:lnRef idx="1">
-            <a:schemeClr val="accent1"/>
-          </a:lnRef>
-          <a:fillRef idx="0">
-            <a:schemeClr val="accent1"/>
-          </a:fillRef>
-          <a:effectRef idx="0">
-            <a:schemeClr val="accent1"/>
-          </a:effectRef>
-          <a:fontRef idx="minor">
-            <a:schemeClr val="tx1"/>
-          </a:fontRef>
-        </p:style>
-      </p:cxnSp>
-      <p:sp>
-        <p:nvSpPr>
-          <p:cNvPr id="95" name="ZoneTexte 94">
-            <a:extLst>
-              <a:ext uri="{FF2B5EF4-FFF2-40B4-BE49-F238E27FC236}">
-                <a16:creationId xmlns:a16="http://schemas.microsoft.com/office/drawing/2014/main" id="{2667A1F0-8A16-473B-A245-0CBE67791978}"/>
-              </a:ext>
-            </a:extLst>
-          </p:cNvPr>
-          <p:cNvSpPr txBox="1"/>
-          <p:nvPr/>
-        </p:nvSpPr>
-        <p:spPr>
-          <a:xfrm>
-            <a:off x="1934497" y="4196986"/>
-            <a:ext cx="1542761" cy="369332"/>
-          </a:xfrm>
-          <a:prstGeom prst="rect">
-            <a:avLst/>
-          </a:prstGeom>
-          <a:noFill/>
-        </p:spPr>
-        <p:txBody>
-          <a:bodyPr wrap="square" rtlCol="0">
-            <a:spAutoFit/>
-          </a:bodyPr>
-          <a:lstStyle/>
-          <a:p>
-            <a:r>
-              <a:rPr lang="en-US" noProof="1"/>
-              <a:t>manufacturer</a:t>
-            </a:r>
-          </a:p>
-        </p:txBody>
-      </p:sp>
-      <p:sp>
-        <p:nvSpPr>
-          <p:cNvPr id="96" name="ZoneTexte 95">
-            <a:extLst>
-              <a:ext uri="{FF2B5EF4-FFF2-40B4-BE49-F238E27FC236}">
-                <a16:creationId xmlns:a16="http://schemas.microsoft.com/office/drawing/2014/main" id="{74EFED4F-FE38-405C-86B3-BBBC58145B2E}"/>
-              </a:ext>
-            </a:extLst>
-          </p:cNvPr>
-          <p:cNvSpPr txBox="1"/>
-          <p:nvPr/>
-        </p:nvSpPr>
-        <p:spPr>
-          <a:xfrm>
-            <a:off x="2790850" y="5824743"/>
-            <a:ext cx="578339" cy="369332"/>
-          </a:xfrm>
-          <a:prstGeom prst="rect">
-            <a:avLst/>
-          </a:prstGeom>
-          <a:noFill/>
-        </p:spPr>
-        <p:txBody>
-          <a:bodyPr wrap="square" rtlCol="0">
-            <a:spAutoFit/>
-          </a:bodyPr>
-          <a:lstStyle/>
-          <a:p>
-            <a:r>
-              <a:rPr lang="en-US" noProof="1"/>
-              <a:t>0..1</a:t>
-            </a:r>
-          </a:p>
-        </p:txBody>
-      </p:sp>
-      <p:cxnSp>
-        <p:nvCxnSpPr>
-          <p:cNvPr id="104" name="Connecteur : en angle 103">
-            <a:extLst>
-              <a:ext uri="{FF2B5EF4-FFF2-40B4-BE49-F238E27FC236}">
-                <a16:creationId xmlns:a16="http://schemas.microsoft.com/office/drawing/2014/main" id="{DFC453C9-718D-4D57-BBD6-335CB435C256}"/>
-              </a:ext>
-            </a:extLst>
-          </p:cNvPr>
-          <p:cNvCxnSpPr>
-            <a:cxnSpLocks/>
-            <a:stCxn id="112" idx="2"/>
-            <a:endCxn id="89" idx="0"/>
-          </p:cNvCxnSpPr>
-          <p:nvPr/>
-        </p:nvCxnSpPr>
-        <p:spPr>
-          <a:xfrm rot="16200000" flipH="1">
-            <a:off x="3483693" y="4736109"/>
-            <a:ext cx="1472108" cy="383029"/>
-          </a:xfrm>
-          <a:prstGeom prst="bentConnector3">
-            <a:avLst>
-              <a:gd name="adj1" fmla="val 62043"/>
-            </a:avLst>
-          </a:prstGeom>
-          <a:ln w="28575">
-            <a:headEnd type="none" w="med" len="med"/>
-            <a:tailEnd type="arrow" w="med" len="med"/>
-          </a:ln>
-        </p:spPr>
-        <p:style>
-          <a:lnRef idx="1">
-            <a:schemeClr val="accent1"/>
-          </a:lnRef>
-          <a:fillRef idx="0">
-            <a:schemeClr val="accent1"/>
-          </a:fillRef>
-          <a:effectRef idx="0">
-            <a:schemeClr val="accent1"/>
-          </a:effectRef>
-          <a:fontRef idx="minor">
-            <a:schemeClr val="tx1"/>
-          </a:fontRef>
-        </p:style>
-      </p:cxnSp>
-      <p:sp>
-        <p:nvSpPr>
-          <p:cNvPr id="108" name="ZoneTexte 107">
-            <a:extLst>
-              <a:ext uri="{FF2B5EF4-FFF2-40B4-BE49-F238E27FC236}">
-                <a16:creationId xmlns:a16="http://schemas.microsoft.com/office/drawing/2014/main" id="{5709328A-75F4-4497-A833-9A53CE32D96A}"/>
-              </a:ext>
-            </a:extLst>
-          </p:cNvPr>
-          <p:cNvSpPr txBox="1"/>
-          <p:nvPr/>
-        </p:nvSpPr>
-        <p:spPr>
-          <a:xfrm>
-            <a:off x="4446423" y="5216597"/>
-            <a:ext cx="578339" cy="369332"/>
-          </a:xfrm>
-          <a:prstGeom prst="rect">
-            <a:avLst/>
-          </a:prstGeom>
-          <a:noFill/>
-        </p:spPr>
-        <p:txBody>
-          <a:bodyPr wrap="square" rtlCol="0">
-            <a:spAutoFit/>
-          </a:bodyPr>
-          <a:lstStyle/>
-          <a:p>
-            <a:r>
-              <a:rPr lang="en-US" noProof="1"/>
-              <a:t>0..*</a:t>
-            </a:r>
-          </a:p>
-        </p:txBody>
-      </p:sp>
-      <p:sp>
-        <p:nvSpPr>
-          <p:cNvPr id="111" name="ZoneTexte 110">
-            <a:extLst>
-              <a:ext uri="{FF2B5EF4-FFF2-40B4-BE49-F238E27FC236}">
-                <a16:creationId xmlns:a16="http://schemas.microsoft.com/office/drawing/2014/main" id="{68996498-248C-4E96-B944-4D089C8F7DCD}"/>
-              </a:ext>
-            </a:extLst>
-          </p:cNvPr>
-          <p:cNvSpPr txBox="1"/>
-          <p:nvPr/>
-        </p:nvSpPr>
-        <p:spPr>
-          <a:xfrm>
-            <a:off x="4015001" y="4202184"/>
-            <a:ext cx="1208988" cy="923330"/>
-          </a:xfrm>
-          <a:prstGeom prst="rect">
-            <a:avLst/>
-          </a:prstGeom>
-          <a:noFill/>
-        </p:spPr>
-        <p:txBody>
-          <a:bodyPr wrap="square" rtlCol="0">
-            <a:spAutoFit/>
-          </a:bodyPr>
-          <a:lstStyle/>
-          <a:p>
-            <a:r>
-              <a:rPr lang="en-US" noProof="1"/>
-              <a:t>regulatory.regulatory</a:t>
-            </a:r>
-          </a:p>
-          <a:p>
-            <a:r>
-              <a:rPr lang="en-US" noProof="1"/>
-              <a:t>Authority</a:t>
-            </a:r>
-          </a:p>
-        </p:txBody>
-      </p:sp>
-      <p:sp>
-        <p:nvSpPr>
-          <p:cNvPr id="112" name="Rectangle 111">
-            <a:extLst>
-              <a:ext uri="{FF2B5EF4-FFF2-40B4-BE49-F238E27FC236}">
-                <a16:creationId xmlns:a16="http://schemas.microsoft.com/office/drawing/2014/main" id="{3EF49BE1-74E2-44BC-B1DD-216E9DA6F7CD}"/>
+            <a:endParaRPr lang="fr-FR"/>
+          </a:p>
+        </p:txBody>
+      </p:sp>
+      <p:sp>
+        <p:nvSpPr>
+          <p:cNvPr id="103" name="Rectangle 102">
+            <a:extLst>
+              <a:ext uri="{FF2B5EF4-FFF2-40B4-BE49-F238E27FC236}">
+                <a16:creationId xmlns:a16="http://schemas.microsoft.com/office/drawing/2014/main" id="{9026133A-4229-4E97-98AF-EB7D4A1B43BD}"/>
               </a:ext>
             </a:extLst>
           </p:cNvPr>
@@ -5668,53 +5454,7 @@
         </p:nvSpPr>
         <p:spPr>
           <a:xfrm>
-            <a:off x="3795176" y="3867050"/>
-            <a:ext cx="466113" cy="324520"/>
-          </a:xfrm>
-          <a:prstGeom prst="rect">
-            <a:avLst/>
-          </a:prstGeom>
-        </p:spPr>
-        <p:style>
-          <a:lnRef idx="2">
-            <a:schemeClr val="accent1">
-              <a:shade val="50000"/>
-            </a:schemeClr>
-          </a:lnRef>
-          <a:fillRef idx="1">
-            <a:schemeClr val="accent1"/>
-          </a:fillRef>
-          <a:effectRef idx="0">
-            <a:schemeClr val="accent1"/>
-          </a:effectRef>
-          <a:fontRef idx="minor">
-            <a:schemeClr val="lt1"/>
-          </a:fontRef>
-        </p:style>
-        <p:txBody>
-          <a:bodyPr rtlCol="0" anchor="ctr"/>
-          <a:lstStyle/>
-          <a:p>
-            <a:pPr algn="ctr"/>
-            <a:endParaRPr lang="fr-FR"/>
-          </a:p>
-        </p:txBody>
-      </p:sp>
-      <p:sp>
-        <p:nvSpPr>
-          <p:cNvPr id="11" name="Rectangle 10">
-            <a:extLst>
-              <a:ext uri="{FF2B5EF4-FFF2-40B4-BE49-F238E27FC236}">
-                <a16:creationId xmlns:a16="http://schemas.microsoft.com/office/drawing/2014/main" id="{E2B1908B-CC45-41BD-BE20-7F25C0BD8D17}"/>
-              </a:ext>
-            </a:extLst>
-          </p:cNvPr>
-          <p:cNvSpPr/>
-          <p:nvPr/>
-        </p:nvSpPr>
-        <p:spPr>
-          <a:xfrm>
-            <a:off x="3028318" y="3075585"/>
+            <a:off x="3573944" y="2888479"/>
             <a:ext cx="2776560" cy="1140542"/>
           </a:xfrm>
           <a:prstGeom prst="rect">
